--- a/4-6B/kasparov/ардуино.pptx
+++ b/4-6B/kasparov/ардуино.pptx
@@ -14,16 +14,19 @@
     <p:sldId id="259" r:id="rId8"/>
     <p:sldId id="260" r:id="rId9"/>
     <p:sldId id="261" r:id="rId10"/>
+    <p:sldId id="262" r:id="rId11"/>
+    <p:sldId id="263" r:id="rId12"/>
+    <p:sldId id="264" r:id="rId13"/>
   </p:sldIdLst>
   <p:sldSz cy="6858000" cx="12192000"/>
   <p:notesSz cx="6858000" cy="9144000"/>
   <p:embeddedFontLst>
     <p:embeddedFont>
       <p:font typeface="Century Gothic"/>
-      <p:regular r:id="rId11"/>
-      <p:bold r:id="rId12"/>
-      <p:italic r:id="rId13"/>
-      <p:boldItalic r:id="rId14"/>
+      <p:regular r:id="rId14"/>
+      <p:bold r:id="rId15"/>
+      <p:italic r:id="rId16"/>
+      <p:boldItalic r:id="rId17"/>
     </p:embeddedFont>
   </p:embeddedFontLst>
   <p:defaultTextStyle>
@@ -799,45 +802,6 @@
       <p:sp>
         <p:nvSpPr>
           <p:cNvPr id="147" name="Shape 147"/>
-          <p:cNvSpPr txBox="1"/>
-          <p:nvPr>
-            <p:ph idx="1" type="body"/>
-          </p:nvPr>
-        </p:nvSpPr>
-        <p:spPr>
-          <a:xfrm>
-            <a:off x="685800" y="4343400"/>
-            <a:ext cx="5486400" cy="4114800"/>
-          </a:xfrm>
-          <a:prstGeom prst="rect">
-            <a:avLst/>
-          </a:prstGeom>
-        </p:spPr>
-        <p:txBody>
-          <a:bodyPr anchorCtr="0" anchor="t" bIns="91425" lIns="91425" spcFirstLastPara="1" rIns="91425" wrap="square" tIns="91425">
-            <a:noAutofit/>
-          </a:bodyPr>
-          <a:lstStyle/>
-          <a:p>
-            <a:pPr indent="0" lvl="0" marL="0">
-              <a:spcBef>
-                <a:spcPts val="0"/>
-              </a:spcBef>
-              <a:spcAft>
-                <a:spcPts val="0"/>
-              </a:spcAft>
-              <a:buNone/>
-            </a:pPr>
-            <a:r>
-              <a:t/>
-            </a:r>
-            <a:endParaRPr/>
-          </a:p>
-        </p:txBody>
-      </p:sp>
-      <p:sp>
-        <p:nvSpPr>
-          <p:cNvPr id="148" name="Shape 148"/>
           <p:cNvSpPr/>
           <p:nvPr>
             <p:ph idx="2" type="sldImg"/>
@@ -846,7 +810,7 @@
         <p:spPr>
           <a:xfrm>
             <a:off x="1143225" y="685800"/>
-            <a:ext cx="4572225" cy="3429000"/>
+            <a:ext cx="4572300" cy="3429000"/>
           </a:xfrm>
           <a:custGeom>
             <a:pathLst>
@@ -869,34 +833,9 @@
           </a:custGeom>
         </p:spPr>
       </p:sp>
-    </p:spTree>
-  </p:cSld>
-  <p:clrMapOvr>
-    <a:masterClrMapping/>
-  </p:clrMapOvr>
-</p:notes>
-</file>
-
-<file path=ppt/notesSlides/notesSlide3.xml><?xml version="1.0" encoding="utf-8"?>
-<p:notes xmlns:a="http://schemas.openxmlformats.org/drawingml/2006/main" xmlns:r="http://schemas.openxmlformats.org/officeDocument/2006/relationships" xmlns:mc="http://schemas.openxmlformats.org/markup-compatibility/2006" xmlns:mv="urn:schemas-microsoft-com:mac:vml" xmlns:p="http://schemas.openxmlformats.org/presentationml/2006/main" xmlns:c="http://schemas.openxmlformats.org/drawingml/2006/chart" xmlns:dgm="http://schemas.openxmlformats.org/drawingml/2006/diagram" xmlns:o="urn:schemas-microsoft-com:office:office" xmlns:v="urn:schemas-microsoft-com:vml" xmlns:pvml="urn:schemas-microsoft-com:office:powerpoint" xmlns:com="http://schemas.openxmlformats.org/drawingml/2006/compatibility" xmlns:p14="http://schemas.microsoft.com/office/powerpoint/2010/main" xmlns:p15="http://schemas.microsoft.com/office/powerpoint/2012/main" showMasterPhAnim="0" showMasterSp="0">
-  <p:cSld>
-    <p:spTree>
-      <p:nvGrpSpPr>
-        <p:cNvPr id="151" name="Shape 151"/>
-        <p:cNvGrpSpPr/>
-        <p:nvPr/>
-      </p:nvGrpSpPr>
-      <p:grpSpPr>
-        <a:xfrm>
-          <a:off x="0" y="0"/>
-          <a:ext cx="0" cy="0"/>
-          <a:chOff x="0" y="0"/>
-          <a:chExt cx="0" cy="0"/>
-        </a:xfrm>
-      </p:grpSpPr>
       <p:sp>
         <p:nvSpPr>
-          <p:cNvPr id="152" name="Shape 152"/>
+          <p:cNvPr id="148" name="Shape 148"/>
           <p:cNvSpPr txBox="1"/>
           <p:nvPr>
             <p:ph idx="1" type="body"/>
@@ -933,6 +872,31 @@
           </a:p>
         </p:txBody>
       </p:sp>
+    </p:spTree>
+  </p:cSld>
+  <p:clrMapOvr>
+    <a:masterClrMapping/>
+  </p:clrMapOvr>
+</p:notes>
+</file>
+
+<file path=ppt/notesSlides/notesSlide3.xml><?xml version="1.0" encoding="utf-8"?>
+<p:notes xmlns:a="http://schemas.openxmlformats.org/drawingml/2006/main" xmlns:r="http://schemas.openxmlformats.org/officeDocument/2006/relationships" xmlns:mc="http://schemas.openxmlformats.org/markup-compatibility/2006" xmlns:mv="urn:schemas-microsoft-com:mac:vml" xmlns:p="http://schemas.openxmlformats.org/presentationml/2006/main" xmlns:c="http://schemas.openxmlformats.org/drawingml/2006/chart" xmlns:dgm="http://schemas.openxmlformats.org/drawingml/2006/diagram" xmlns:o="urn:schemas-microsoft-com:office:office" xmlns:v="urn:schemas-microsoft-com:vml" xmlns:pvml="urn:schemas-microsoft-com:office:powerpoint" xmlns:com="http://schemas.openxmlformats.org/drawingml/2006/compatibility" xmlns:p14="http://schemas.microsoft.com/office/powerpoint/2010/main" xmlns:p15="http://schemas.microsoft.com/office/powerpoint/2012/main" showMasterPhAnim="0" showMasterSp="0">
+  <p:cSld>
+    <p:spTree>
+      <p:nvGrpSpPr>
+        <p:cNvPr id="152" name="Shape 152"/>
+        <p:cNvGrpSpPr/>
+        <p:nvPr/>
+      </p:nvGrpSpPr>
+      <p:grpSpPr>
+        <a:xfrm>
+          <a:off x="0" y="0"/>
+          <a:ext cx="0" cy="0"/>
+          <a:chOff x="0" y="0"/>
+          <a:chExt cx="0" cy="0"/>
+        </a:xfrm>
+      </p:grpSpPr>
       <p:sp>
         <p:nvSpPr>
           <p:cNvPr id="153" name="Shape 153"/>
@@ -944,7 +908,7 @@
         <p:spPr>
           <a:xfrm>
             <a:off x="1143225" y="685800"/>
-            <a:ext cx="4572225" cy="3429000"/>
+            <a:ext cx="4572300" cy="3429000"/>
           </a:xfrm>
           <a:custGeom>
             <a:pathLst>
@@ -967,6 +931,45 @@
           </a:custGeom>
         </p:spPr>
       </p:sp>
+      <p:sp>
+        <p:nvSpPr>
+          <p:cNvPr id="154" name="Shape 154"/>
+          <p:cNvSpPr txBox="1"/>
+          <p:nvPr>
+            <p:ph idx="1" type="body"/>
+          </p:nvPr>
+        </p:nvSpPr>
+        <p:spPr>
+          <a:xfrm>
+            <a:off x="685800" y="4343400"/>
+            <a:ext cx="5486400" cy="4114800"/>
+          </a:xfrm>
+          <a:prstGeom prst="rect">
+            <a:avLst/>
+          </a:prstGeom>
+        </p:spPr>
+        <p:txBody>
+          <a:bodyPr anchorCtr="0" anchor="t" bIns="91425" lIns="91425" spcFirstLastPara="1" rIns="91425" wrap="square" tIns="91425">
+            <a:noAutofit/>
+          </a:bodyPr>
+          <a:lstStyle/>
+          <a:p>
+            <a:pPr indent="0" lvl="0" marL="0">
+              <a:spcBef>
+                <a:spcPts val="0"/>
+              </a:spcBef>
+              <a:spcAft>
+                <a:spcPts val="0"/>
+              </a:spcAft>
+              <a:buNone/>
+            </a:pPr>
+            <a:r>
+              <a:t/>
+            </a:r>
+            <a:endParaRPr/>
+          </a:p>
+        </p:txBody>
+      </p:sp>
     </p:spTree>
   </p:cSld>
   <p:clrMapOvr>
@@ -980,7 +983,7 @@
   <p:cSld>
     <p:spTree>
       <p:nvGrpSpPr>
-        <p:cNvPr id="158" name="Shape 158"/>
+        <p:cNvPr id="157" name="Shape 157"/>
         <p:cNvGrpSpPr/>
         <p:nvPr/>
       </p:nvGrpSpPr>
@@ -992,6 +995,40 @@
           <a:chExt cx="0" cy="0"/>
         </a:xfrm>
       </p:grpSpPr>
+      <p:sp>
+        <p:nvSpPr>
+          <p:cNvPr id="158" name="Shape 158"/>
+          <p:cNvSpPr/>
+          <p:nvPr>
+            <p:ph idx="2" type="sldImg"/>
+          </p:nvPr>
+        </p:nvSpPr>
+        <p:spPr>
+          <a:xfrm>
+            <a:off x="1143225" y="685800"/>
+            <a:ext cx="4572300" cy="3429000"/>
+          </a:xfrm>
+          <a:custGeom>
+            <a:pathLst>
+              <a:path extrusionOk="0" h="120000" w="120000">
+                <a:moveTo>
+                  <a:pt x="0" y="0"/>
+                </a:moveTo>
+                <a:lnTo>
+                  <a:pt x="120000" y="0"/>
+                </a:lnTo>
+                <a:lnTo>
+                  <a:pt x="120000" y="120000"/>
+                </a:lnTo>
+                <a:lnTo>
+                  <a:pt x="0" y="120000"/>
+                </a:lnTo>
+                <a:close/>
+              </a:path>
+            </a:pathLst>
+          </a:custGeom>
+        </p:spPr>
+      </p:sp>
       <p:sp>
         <p:nvSpPr>
           <p:cNvPr id="159" name="Shape 159"/>
@@ -1031,40 +1068,6 @@
           </a:p>
         </p:txBody>
       </p:sp>
-      <p:sp>
-        <p:nvSpPr>
-          <p:cNvPr id="160" name="Shape 160"/>
-          <p:cNvSpPr/>
-          <p:nvPr>
-            <p:ph idx="2" type="sldImg"/>
-          </p:nvPr>
-        </p:nvSpPr>
-        <p:spPr>
-          <a:xfrm>
-            <a:off x="1143225" y="685800"/>
-            <a:ext cx="4572225" cy="3429000"/>
-          </a:xfrm>
-          <a:custGeom>
-            <a:pathLst>
-              <a:path extrusionOk="0" h="120000" w="120000">
-                <a:moveTo>
-                  <a:pt x="0" y="0"/>
-                </a:moveTo>
-                <a:lnTo>
-                  <a:pt x="120000" y="0"/>
-                </a:lnTo>
-                <a:lnTo>
-                  <a:pt x="120000" y="120000"/>
-                </a:lnTo>
-                <a:lnTo>
-                  <a:pt x="0" y="120000"/>
-                </a:lnTo>
-                <a:close/>
-              </a:path>
-            </a:pathLst>
-          </a:custGeom>
-        </p:spPr>
-      </p:sp>
     </p:spTree>
   </p:cSld>
   <p:clrMapOvr>
@@ -1078,7 +1081,7 @@
   <p:cSld>
     <p:spTree>
       <p:nvGrpSpPr>
-        <p:cNvPr id="165" name="Shape 165"/>
+        <p:cNvPr id="163" name="Shape 163"/>
         <p:cNvGrpSpPr/>
         <p:nvPr/>
       </p:nvGrpSpPr>
@@ -1092,7 +1095,7 @@
       </p:grpSpPr>
       <p:sp>
         <p:nvSpPr>
-          <p:cNvPr id="166" name="Shape 166"/>
+          <p:cNvPr id="164" name="Shape 164"/>
           <p:cNvSpPr txBox="1"/>
           <p:nvPr>
             <p:ph idx="1" type="body"/>
@@ -1131,7 +1134,7 @@
       </p:sp>
       <p:sp>
         <p:nvSpPr>
-          <p:cNvPr id="167" name="Shape 167"/>
+          <p:cNvPr id="165" name="Shape 165"/>
           <p:cNvSpPr/>
           <p:nvPr>
             <p:ph idx="2" type="sldImg"/>
@@ -1176,7 +1179,7 @@
   <p:cSld>
     <p:spTree>
       <p:nvGrpSpPr>
-        <p:cNvPr id="170" name="Shape 170"/>
+        <p:cNvPr id="168" name="Shape 168"/>
         <p:cNvGrpSpPr/>
         <p:nvPr/>
       </p:nvGrpSpPr>
@@ -1190,7 +1193,301 @@
       </p:grpSpPr>
       <p:sp>
         <p:nvSpPr>
-          <p:cNvPr id="171" name="Shape 171"/>
+          <p:cNvPr id="169" name="Shape 169"/>
+          <p:cNvSpPr txBox="1"/>
+          <p:nvPr>
+            <p:ph idx="1" type="body"/>
+          </p:nvPr>
+        </p:nvSpPr>
+        <p:spPr>
+          <a:xfrm>
+            <a:off x="685800" y="4343400"/>
+            <a:ext cx="5486400" cy="4114800"/>
+          </a:xfrm>
+          <a:prstGeom prst="rect">
+            <a:avLst/>
+          </a:prstGeom>
+        </p:spPr>
+        <p:txBody>
+          <a:bodyPr anchorCtr="0" anchor="t" bIns="91425" lIns="91425" spcFirstLastPara="1" rIns="91425" wrap="square" tIns="91425">
+            <a:noAutofit/>
+          </a:bodyPr>
+          <a:lstStyle/>
+          <a:p>
+            <a:pPr indent="0" lvl="0" marL="0">
+              <a:spcBef>
+                <a:spcPts val="0"/>
+              </a:spcBef>
+              <a:spcAft>
+                <a:spcPts val="0"/>
+              </a:spcAft>
+              <a:buNone/>
+            </a:pPr>
+            <a:r>
+              <a:t/>
+            </a:r>
+            <a:endParaRPr/>
+          </a:p>
+        </p:txBody>
+      </p:sp>
+      <p:sp>
+        <p:nvSpPr>
+          <p:cNvPr id="170" name="Shape 170"/>
+          <p:cNvSpPr/>
+          <p:nvPr>
+            <p:ph idx="2" type="sldImg"/>
+          </p:nvPr>
+        </p:nvSpPr>
+        <p:spPr>
+          <a:xfrm>
+            <a:off x="1143225" y="685800"/>
+            <a:ext cx="4572225" cy="3429000"/>
+          </a:xfrm>
+          <a:custGeom>
+            <a:pathLst>
+              <a:path extrusionOk="0" h="120000" w="120000">
+                <a:moveTo>
+                  <a:pt x="0" y="0"/>
+                </a:moveTo>
+                <a:lnTo>
+                  <a:pt x="120000" y="0"/>
+                </a:lnTo>
+                <a:lnTo>
+                  <a:pt x="120000" y="120000"/>
+                </a:lnTo>
+                <a:lnTo>
+                  <a:pt x="0" y="120000"/>
+                </a:lnTo>
+                <a:close/>
+              </a:path>
+            </a:pathLst>
+          </a:custGeom>
+        </p:spPr>
+      </p:sp>
+    </p:spTree>
+  </p:cSld>
+  <p:clrMapOvr>
+    <a:masterClrMapping/>
+  </p:clrMapOvr>
+</p:notes>
+</file>
+
+<file path=ppt/notesSlides/notesSlide7.xml><?xml version="1.0" encoding="utf-8"?>
+<p:notes xmlns:a="http://schemas.openxmlformats.org/drawingml/2006/main" xmlns:r="http://schemas.openxmlformats.org/officeDocument/2006/relationships" xmlns:mc="http://schemas.openxmlformats.org/markup-compatibility/2006" xmlns:mv="urn:schemas-microsoft-com:mac:vml" xmlns:p="http://schemas.openxmlformats.org/presentationml/2006/main" xmlns:c="http://schemas.openxmlformats.org/drawingml/2006/chart" xmlns:dgm="http://schemas.openxmlformats.org/drawingml/2006/diagram" xmlns:o="urn:schemas-microsoft-com:office:office" xmlns:v="urn:schemas-microsoft-com:vml" xmlns:pvml="urn:schemas-microsoft-com:office:powerpoint" xmlns:com="http://schemas.openxmlformats.org/drawingml/2006/compatibility" xmlns:p14="http://schemas.microsoft.com/office/powerpoint/2010/main" xmlns:p15="http://schemas.microsoft.com/office/powerpoint/2012/main" showMasterPhAnim="0" showMasterSp="0">
+  <p:cSld>
+    <p:spTree>
+      <p:nvGrpSpPr>
+        <p:cNvPr id="175" name="Shape 175"/>
+        <p:cNvGrpSpPr/>
+        <p:nvPr/>
+      </p:nvGrpSpPr>
+      <p:grpSpPr>
+        <a:xfrm>
+          <a:off x="0" y="0"/>
+          <a:ext cx="0" cy="0"/>
+          <a:chOff x="0" y="0"/>
+          <a:chExt cx="0" cy="0"/>
+        </a:xfrm>
+      </p:grpSpPr>
+      <p:sp>
+        <p:nvSpPr>
+          <p:cNvPr id="176" name="Shape 176"/>
+          <p:cNvSpPr txBox="1"/>
+          <p:nvPr>
+            <p:ph idx="1" type="body"/>
+          </p:nvPr>
+        </p:nvSpPr>
+        <p:spPr>
+          <a:xfrm>
+            <a:off x="685800" y="4343400"/>
+            <a:ext cx="5486400" cy="4114800"/>
+          </a:xfrm>
+          <a:prstGeom prst="rect">
+            <a:avLst/>
+          </a:prstGeom>
+        </p:spPr>
+        <p:txBody>
+          <a:bodyPr anchorCtr="0" anchor="t" bIns="91425" lIns="91425" spcFirstLastPara="1" rIns="91425" wrap="square" tIns="91425">
+            <a:noAutofit/>
+          </a:bodyPr>
+          <a:lstStyle/>
+          <a:p>
+            <a:pPr indent="0" lvl="0" marL="0">
+              <a:spcBef>
+                <a:spcPts val="0"/>
+              </a:spcBef>
+              <a:spcAft>
+                <a:spcPts val="0"/>
+              </a:spcAft>
+              <a:buNone/>
+            </a:pPr>
+            <a:r>
+              <a:t/>
+            </a:r>
+            <a:endParaRPr/>
+          </a:p>
+        </p:txBody>
+      </p:sp>
+      <p:sp>
+        <p:nvSpPr>
+          <p:cNvPr id="177" name="Shape 177"/>
+          <p:cNvSpPr/>
+          <p:nvPr>
+            <p:ph idx="2" type="sldImg"/>
+          </p:nvPr>
+        </p:nvSpPr>
+        <p:spPr>
+          <a:xfrm>
+            <a:off x="1143225" y="685800"/>
+            <a:ext cx="4572225" cy="3429000"/>
+          </a:xfrm>
+          <a:custGeom>
+            <a:pathLst>
+              <a:path extrusionOk="0" h="120000" w="120000">
+                <a:moveTo>
+                  <a:pt x="0" y="0"/>
+                </a:moveTo>
+                <a:lnTo>
+                  <a:pt x="120000" y="0"/>
+                </a:lnTo>
+                <a:lnTo>
+                  <a:pt x="120000" y="120000"/>
+                </a:lnTo>
+                <a:lnTo>
+                  <a:pt x="0" y="120000"/>
+                </a:lnTo>
+                <a:close/>
+              </a:path>
+            </a:pathLst>
+          </a:custGeom>
+        </p:spPr>
+      </p:sp>
+    </p:spTree>
+  </p:cSld>
+  <p:clrMapOvr>
+    <a:masterClrMapping/>
+  </p:clrMapOvr>
+</p:notes>
+</file>
+
+<file path=ppt/notesSlides/notesSlide8.xml><?xml version="1.0" encoding="utf-8"?>
+<p:notes xmlns:a="http://schemas.openxmlformats.org/drawingml/2006/main" xmlns:r="http://schemas.openxmlformats.org/officeDocument/2006/relationships" xmlns:mc="http://schemas.openxmlformats.org/markup-compatibility/2006" xmlns:mv="urn:schemas-microsoft-com:mac:vml" xmlns:p="http://schemas.openxmlformats.org/presentationml/2006/main" xmlns:c="http://schemas.openxmlformats.org/drawingml/2006/chart" xmlns:dgm="http://schemas.openxmlformats.org/drawingml/2006/diagram" xmlns:o="urn:schemas-microsoft-com:office:office" xmlns:v="urn:schemas-microsoft-com:vml" xmlns:pvml="urn:schemas-microsoft-com:office:powerpoint" xmlns:com="http://schemas.openxmlformats.org/drawingml/2006/compatibility" xmlns:p14="http://schemas.microsoft.com/office/powerpoint/2010/main" xmlns:p15="http://schemas.microsoft.com/office/powerpoint/2012/main" showMasterPhAnim="0" showMasterSp="0">
+  <p:cSld>
+    <p:spTree>
+      <p:nvGrpSpPr>
+        <p:cNvPr id="182" name="Shape 182"/>
+        <p:cNvGrpSpPr/>
+        <p:nvPr/>
+      </p:nvGrpSpPr>
+      <p:grpSpPr>
+        <a:xfrm>
+          <a:off x="0" y="0"/>
+          <a:ext cx="0" cy="0"/>
+          <a:chOff x="0" y="0"/>
+          <a:chExt cx="0" cy="0"/>
+        </a:xfrm>
+      </p:grpSpPr>
+      <p:sp>
+        <p:nvSpPr>
+          <p:cNvPr id="183" name="Shape 183"/>
+          <p:cNvSpPr txBox="1"/>
+          <p:nvPr>
+            <p:ph idx="1" type="body"/>
+          </p:nvPr>
+        </p:nvSpPr>
+        <p:spPr>
+          <a:xfrm>
+            <a:off x="685800" y="4343400"/>
+            <a:ext cx="5486400" cy="4114800"/>
+          </a:xfrm>
+          <a:prstGeom prst="rect">
+            <a:avLst/>
+          </a:prstGeom>
+        </p:spPr>
+        <p:txBody>
+          <a:bodyPr anchorCtr="0" anchor="t" bIns="91425" lIns="91425" spcFirstLastPara="1" rIns="91425" wrap="square" tIns="91425">
+            <a:noAutofit/>
+          </a:bodyPr>
+          <a:lstStyle/>
+          <a:p>
+            <a:pPr indent="0" lvl="0" marL="0">
+              <a:spcBef>
+                <a:spcPts val="0"/>
+              </a:spcBef>
+              <a:spcAft>
+                <a:spcPts val="0"/>
+              </a:spcAft>
+              <a:buNone/>
+            </a:pPr>
+            <a:r>
+              <a:t/>
+            </a:r>
+            <a:endParaRPr/>
+          </a:p>
+        </p:txBody>
+      </p:sp>
+      <p:sp>
+        <p:nvSpPr>
+          <p:cNvPr id="184" name="Shape 184"/>
+          <p:cNvSpPr/>
+          <p:nvPr>
+            <p:ph idx="2" type="sldImg"/>
+          </p:nvPr>
+        </p:nvSpPr>
+        <p:spPr>
+          <a:xfrm>
+            <a:off x="1143225" y="685800"/>
+            <a:ext cx="4572225" cy="3429000"/>
+          </a:xfrm>
+          <a:custGeom>
+            <a:pathLst>
+              <a:path extrusionOk="0" h="120000" w="120000">
+                <a:moveTo>
+                  <a:pt x="0" y="0"/>
+                </a:moveTo>
+                <a:lnTo>
+                  <a:pt x="120000" y="0"/>
+                </a:lnTo>
+                <a:lnTo>
+                  <a:pt x="120000" y="120000"/>
+                </a:lnTo>
+                <a:lnTo>
+                  <a:pt x="0" y="120000"/>
+                </a:lnTo>
+                <a:close/>
+              </a:path>
+            </a:pathLst>
+          </a:custGeom>
+        </p:spPr>
+      </p:sp>
+    </p:spTree>
+  </p:cSld>
+  <p:clrMapOvr>
+    <a:masterClrMapping/>
+  </p:clrMapOvr>
+</p:notes>
+</file>
+
+<file path=ppt/notesSlides/notesSlide9.xml><?xml version="1.0" encoding="utf-8"?>
+<p:notes xmlns:a="http://schemas.openxmlformats.org/drawingml/2006/main" xmlns:r="http://schemas.openxmlformats.org/officeDocument/2006/relationships" xmlns:mc="http://schemas.openxmlformats.org/markup-compatibility/2006" xmlns:mv="urn:schemas-microsoft-com:mac:vml" xmlns:p="http://schemas.openxmlformats.org/presentationml/2006/main" xmlns:c="http://schemas.openxmlformats.org/drawingml/2006/chart" xmlns:dgm="http://schemas.openxmlformats.org/drawingml/2006/diagram" xmlns:o="urn:schemas-microsoft-com:office:office" xmlns:v="urn:schemas-microsoft-com:vml" xmlns:pvml="urn:schemas-microsoft-com:office:powerpoint" xmlns:com="http://schemas.openxmlformats.org/drawingml/2006/compatibility" xmlns:p14="http://schemas.microsoft.com/office/powerpoint/2010/main" xmlns:p15="http://schemas.microsoft.com/office/powerpoint/2012/main" showMasterPhAnim="0" showMasterSp="0">
+  <p:cSld>
+    <p:spTree>
+      <p:nvGrpSpPr>
+        <p:cNvPr id="187" name="Shape 187"/>
+        <p:cNvGrpSpPr/>
+        <p:nvPr/>
+      </p:nvGrpSpPr>
+      <p:grpSpPr>
+        <a:xfrm>
+          <a:off x="0" y="0"/>
+          <a:ext cx="0" cy="0"/>
+          <a:chOff x="0" y="0"/>
+          <a:chExt cx="0" cy="0"/>
+        </a:xfrm>
+      </p:grpSpPr>
+      <p:sp>
+        <p:nvSpPr>
+          <p:cNvPr id="188" name="Shape 188"/>
           <p:cNvSpPr/>
           <p:nvPr>
             <p:ph idx="2" type="sldImg"/>
@@ -1224,7 +1521,7 @@
       </p:sp>
       <p:sp>
         <p:nvSpPr>
-          <p:cNvPr id="172" name="Shape 172"/>
+          <p:cNvPr id="189" name="Shape 189"/>
           <p:cNvSpPr txBox="1"/>
           <p:nvPr>
             <p:ph idx="1" type="body"/>
@@ -25441,56 +25738,7 @@
               <a:buNone/>
             </a:pPr>
             <a:r>
-              <a:rPr b="0" i="0" lang="en-US" sz="3200" u="none" cap="none" strike="noStrike">
-                <a:solidFill>
-                  <a:schemeClr val="lt1"/>
-                </a:solidFill>
-                <a:latin typeface="Century Gothic"/>
-                <a:ea typeface="Century Gothic"/>
-                <a:cs typeface="Century Gothic"/>
-                <a:sym typeface="Century Gothic"/>
-              </a:rPr>
-              <a:t> setup() {</a:t>
-            </a:r>
-            <a:endParaRPr b="0" i="0" sz="3200" u="none" cap="none" strike="noStrike">
-              <a:solidFill>
-                <a:schemeClr val="lt1"/>
-              </a:solidFill>
-              <a:latin typeface="Century Gothic"/>
-              <a:ea typeface="Century Gothic"/>
-              <a:cs typeface="Century Gothic"/>
-              <a:sym typeface="Century Gothic"/>
-            </a:endParaRPr>
-          </a:p>
-          <a:p>
-            <a:pPr indent="0" lvl="0" marL="0" marR="0" rtl="0" algn="l">
-              <a:lnSpc>
-                <a:spcPct val="90000"/>
-              </a:lnSpc>
-              <a:spcBef>
-                <a:spcPts val="1000"/>
-              </a:spcBef>
-              <a:spcAft>
-                <a:spcPts val="0"/>
-              </a:spcAft>
-              <a:buClr>
-                <a:schemeClr val="lt1"/>
-              </a:buClr>
-              <a:buSzPts val="3200"/>
-              <a:buFont typeface="Arial"/>
-              <a:buNone/>
-            </a:pPr>
-            <a:r>
-              <a:rPr b="0" i="0" lang="en-US" sz="3200" u="none" cap="none" strike="noStrike">
-                <a:solidFill>
-                  <a:schemeClr val="lt1"/>
-                </a:solidFill>
-                <a:latin typeface="Century Gothic"/>
-                <a:ea typeface="Century Gothic"/>
-                <a:cs typeface="Century Gothic"/>
-                <a:sym typeface="Century Gothic"/>
-              </a:rPr>
-              <a:t>}</a:t>
+              <a:t/>
             </a:r>
             <a:endParaRPr b="0" i="0" sz="3200" u="none" cap="none" strike="noStrike">
               <a:solidFill>
@@ -25921,109 +26169,6 @@
                       </p:childTnLst>
                     </p:cTn>
                   </p:par>
-                  <p:par>
-                    <p:cTn fill="hold">
-                      <p:stCondLst>
-                        <p:cond delay="indefinite"/>
-                      </p:stCondLst>
-                      <p:childTnLst>
-                        <p:par>
-                          <p:cTn fill="hold">
-                            <p:stCondLst>
-                              <p:cond delay="0"/>
-                            </p:stCondLst>
-                            <p:childTnLst>
-                              <p:par>
-                                <p:cTn fill="hold" nodeType="clickEffect" presetClass="entr" presetID="23" presetSubtype="16">
-                                  <p:stCondLst>
-                                    <p:cond delay="0"/>
-                                  </p:stCondLst>
-                                  <p:childTnLst>
-                                    <p:set>
-                                      <p:cBhvr>
-                                        <p:cTn dur="1" fill="hold">
-                                          <p:stCondLst>
-                                            <p:cond delay="0"/>
-                                          </p:stCondLst>
-                                        </p:cTn>
-                                        <p:tgtEl>
-                                          <p:spTgt spid="145">
-                                            <p:txEl>
-                                              <p:pRg end="3" st="3"/>
-                                            </p:txEl>
-                                          </p:spTgt>
-                                        </p:tgtEl>
-                                        <p:attrNameLst>
-                                          <p:attrName>style.visibility</p:attrName>
-                                        </p:attrNameLst>
-                                      </p:cBhvr>
-                                      <p:to>
-                                        <p:strVal val="visible"/>
-                                      </p:to>
-                                    </p:set>
-                                    <p:anim calcmode="lin" valueType="num">
-                                      <p:cBhvr additive="base">
-                                        <p:cTn dur="500"/>
-                                        <p:tgtEl>
-                                          <p:spTgt spid="145">
-                                            <p:txEl>
-                                              <p:pRg end="3" st="3"/>
-                                            </p:txEl>
-                                          </p:spTgt>
-                                        </p:tgtEl>
-                                        <p:attrNameLst>
-                                          <p:attrName>ppt_w</p:attrName>
-                                        </p:attrNameLst>
-                                      </p:cBhvr>
-                                      <p:tavLst>
-                                        <p:tav fmla="" tm="0">
-                                          <p:val>
-                                            <p:strVal val="0"/>
-                                          </p:val>
-                                        </p:tav>
-                                        <p:tav fmla="" tm="100000">
-                                          <p:val>
-                                            <p:strVal val="#ppt_w"/>
-                                          </p:val>
-                                        </p:tav>
-                                      </p:tavLst>
-                                    </p:anim>
-                                    <p:anim calcmode="lin" valueType="num">
-                                      <p:cBhvr additive="base">
-                                        <p:cTn dur="500"/>
-                                        <p:tgtEl>
-                                          <p:spTgt spid="145">
-                                            <p:txEl>
-                                              <p:pRg end="3" st="3"/>
-                                            </p:txEl>
-                                          </p:spTgt>
-                                        </p:tgtEl>
-                                        <p:attrNameLst>
-                                          <p:attrName>ppt_h</p:attrName>
-                                        </p:attrNameLst>
-                                      </p:cBhvr>
-                                      <p:tavLst>
-                                        <p:tav fmla="" tm="0">
-                                          <p:val>
-                                            <p:strVal val="0"/>
-                                          </p:val>
-                                        </p:tav>
-                                        <p:tav fmla="" tm="100000">
-                                          <p:val>
-                                            <p:strVal val="#ppt_h"/>
-                                          </p:val>
-                                        </p:tav>
-                                      </p:tavLst>
-                                    </p:anim>
-                                  </p:childTnLst>
-                                </p:cTn>
-                              </p:par>
-                            </p:childTnLst>
-                          </p:cTn>
-                        </p:par>
-                      </p:childTnLst>
-                    </p:cTn>
-                  </p:par>
                 </p:childTnLst>
               </p:cTn>
               <p:prevCondLst>
@@ -26071,6 +26216,632 @@
           <p:cNvPr id="150" name="Shape 150"/>
           <p:cNvSpPr txBox="1"/>
           <p:nvPr>
+            <p:ph type="ctrTitle"/>
+          </p:nvPr>
+        </p:nvSpPr>
+        <p:spPr>
+          <a:xfrm>
+            <a:off x="1371600" y="1803405"/>
+            <a:ext cx="9448800" cy="1825200"/>
+          </a:xfrm>
+          <a:prstGeom prst="rect">
+            <a:avLst/>
+          </a:prstGeom>
+        </p:spPr>
+        <p:txBody>
+          <a:bodyPr anchorCtr="0" anchor="b" bIns="91425" lIns="91425" spcFirstLastPara="1" rIns="91425" wrap="square" tIns="91425">
+            <a:noAutofit/>
+          </a:bodyPr>
+          <a:lstStyle/>
+          <a:p>
+            <a:pPr indent="0" lvl="0" marL="0">
+              <a:spcBef>
+                <a:spcPts val="0"/>
+              </a:spcBef>
+              <a:spcAft>
+                <a:spcPts val="0"/>
+              </a:spcAft>
+              <a:buNone/>
+            </a:pPr>
+            <a:r>
+              <a:rPr lang="en-US"/>
+              <a:t>Автора</a:t>
+            </a:r>
+            <a:endParaRPr/>
+          </a:p>
+        </p:txBody>
+      </p:sp>
+      <p:sp>
+        <p:nvSpPr>
+          <p:cNvPr id="151" name="Shape 151"/>
+          <p:cNvSpPr txBox="1"/>
+          <p:nvPr>
+            <p:ph idx="1" type="subTitle"/>
+          </p:nvPr>
+        </p:nvSpPr>
+        <p:spPr>
+          <a:xfrm>
+            <a:off x="1371600" y="3632201"/>
+            <a:ext cx="9448800" cy="685800"/>
+          </a:xfrm>
+          <a:prstGeom prst="rect">
+            <a:avLst/>
+          </a:prstGeom>
+        </p:spPr>
+        <p:txBody>
+          <a:bodyPr anchorCtr="0" anchor="t" bIns="91425" lIns="91425" spcFirstLastPara="1" rIns="91425" wrap="square" tIns="91425">
+            <a:noAutofit/>
+          </a:bodyPr>
+          <a:lstStyle/>
+          <a:p>
+            <a:pPr indent="0" lvl="0" marL="0">
+              <a:spcBef>
+                <a:spcPts val="1000"/>
+              </a:spcBef>
+              <a:spcAft>
+                <a:spcPts val="0"/>
+              </a:spcAft>
+              <a:buNone/>
+            </a:pPr>
+            <a:r>
+              <a:rPr lang="en-US" sz="3000"/>
+              <a:t> платформу “Arduino UNO”</a:t>
+            </a:r>
+            <a:endParaRPr sz="3000"/>
+          </a:p>
+          <a:p>
+            <a:pPr indent="0" lvl="0" marL="0" rtl="0">
+              <a:lnSpc>
+                <a:spcPct val="115000"/>
+              </a:lnSpc>
+              <a:spcBef>
+                <a:spcPts val="0"/>
+              </a:spcBef>
+              <a:spcAft>
+                <a:spcPts val="0"/>
+              </a:spcAft>
+              <a:buNone/>
+            </a:pPr>
+            <a:r>
+              <a:t/>
+            </a:r>
+            <a:endParaRPr sz="1000">
+              <a:solidFill>
+                <a:srgbClr val="FFFFFF"/>
+              </a:solidFill>
+              <a:latin typeface="Arial"/>
+              <a:ea typeface="Arial"/>
+              <a:cs typeface="Arial"/>
+              <a:sym typeface="Arial"/>
+            </a:endParaRPr>
+          </a:p>
+          <a:p>
+            <a:pPr indent="0" lvl="0" marL="0" rtl="0">
+              <a:lnSpc>
+                <a:spcPct val="115000"/>
+              </a:lnSpc>
+              <a:spcBef>
+                <a:spcPts val="0"/>
+              </a:spcBef>
+              <a:spcAft>
+                <a:spcPts val="0"/>
+              </a:spcAft>
+              <a:buNone/>
+            </a:pPr>
+            <a:r>
+              <a:rPr i="1" lang="en-US" sz="2400">
+                <a:solidFill>
+                  <a:srgbClr val="FFFFFF"/>
+                </a:solidFill>
+                <a:latin typeface="Arial"/>
+                <a:ea typeface="Arial"/>
+                <a:cs typeface="Arial"/>
+                <a:sym typeface="Arial"/>
+              </a:rPr>
+              <a:t>Ядро команди Arduino: Дэвид Куар-тилльз  Джанлука Мартино Том Иго  Дэвид Мелис  и Массимо Банци  на конференции Maker Faire в Нью-Йорке</a:t>
+            </a:r>
+            <a:endParaRPr i="1" sz="2400">
+              <a:solidFill>
+                <a:srgbClr val="FFFFFF"/>
+              </a:solidFill>
+              <a:latin typeface="Arial"/>
+              <a:ea typeface="Arial"/>
+              <a:cs typeface="Arial"/>
+              <a:sym typeface="Arial"/>
+            </a:endParaRPr>
+          </a:p>
+          <a:p>
+            <a:pPr indent="0" lvl="0" marL="0" rtl="0">
+              <a:lnSpc>
+                <a:spcPct val="135000"/>
+              </a:lnSpc>
+              <a:spcBef>
+                <a:spcPts val="0"/>
+              </a:spcBef>
+              <a:spcAft>
+                <a:spcPts val="0"/>
+              </a:spcAft>
+              <a:buNone/>
+            </a:pPr>
+            <a:r>
+              <a:t/>
+            </a:r>
+            <a:endParaRPr i="1" sz="2400">
+              <a:solidFill>
+                <a:srgbClr val="FFFFFF"/>
+              </a:solidFill>
+              <a:latin typeface="Arial"/>
+              <a:ea typeface="Arial"/>
+              <a:cs typeface="Arial"/>
+              <a:sym typeface="Arial"/>
+            </a:endParaRPr>
+          </a:p>
+          <a:p>
+            <a:pPr indent="0" lvl="0" marL="0" rtl="0">
+              <a:lnSpc>
+                <a:spcPct val="135000"/>
+              </a:lnSpc>
+              <a:spcBef>
+                <a:spcPts val="0"/>
+              </a:spcBef>
+              <a:spcAft>
+                <a:spcPts val="0"/>
+              </a:spcAft>
+              <a:buNone/>
+            </a:pPr>
+            <a:r>
+              <a:t/>
+            </a:r>
+            <a:endParaRPr i="1" sz="2400">
+              <a:solidFill>
+                <a:srgbClr val="FFFFFF"/>
+              </a:solidFill>
+              <a:latin typeface="Arial"/>
+              <a:ea typeface="Arial"/>
+              <a:cs typeface="Arial"/>
+              <a:sym typeface="Arial"/>
+            </a:endParaRPr>
+          </a:p>
+          <a:p>
+            <a:pPr indent="0" lvl="0" marL="0" rtl="0">
+              <a:lnSpc>
+                <a:spcPct val="135000"/>
+              </a:lnSpc>
+              <a:spcBef>
+                <a:spcPts val="0"/>
+              </a:spcBef>
+              <a:spcAft>
+                <a:spcPts val="0"/>
+              </a:spcAft>
+              <a:buNone/>
+            </a:pPr>
+            <a:r>
+              <a:t/>
+            </a:r>
+            <a:endParaRPr sz="2400">
+              <a:solidFill>
+                <a:srgbClr val="FFFFFF"/>
+              </a:solidFill>
+              <a:latin typeface="Arial"/>
+              <a:ea typeface="Arial"/>
+              <a:cs typeface="Arial"/>
+              <a:sym typeface="Arial"/>
+            </a:endParaRPr>
+          </a:p>
+          <a:p>
+            <a:pPr indent="0" lvl="0" marL="0" rtl="0">
+              <a:lnSpc>
+                <a:spcPct val="115000"/>
+              </a:lnSpc>
+              <a:spcBef>
+                <a:spcPts val="0"/>
+              </a:spcBef>
+              <a:spcAft>
+                <a:spcPts val="0"/>
+              </a:spcAft>
+              <a:buNone/>
+            </a:pPr>
+            <a:r>
+              <a:t/>
+            </a:r>
+            <a:endParaRPr sz="1000">
+              <a:solidFill>
+                <a:srgbClr val="FFFFFF"/>
+              </a:solidFill>
+              <a:latin typeface="Arial"/>
+              <a:ea typeface="Arial"/>
+              <a:cs typeface="Arial"/>
+              <a:sym typeface="Arial"/>
+            </a:endParaRPr>
+          </a:p>
+        </p:txBody>
+      </p:sp>
+    </p:spTree>
+  </p:cSld>
+  <p:clrMapOvr>
+    <a:masterClrMapping/>
+  </p:clrMapOvr>
+  <mc:AlternateContent>
+    <mc:Choice Requires="p14">
+      <p:transition spd="slow" p14:dur="1400">
+        <p14:prism dir="l"/>
+      </p:transition>
+    </mc:Choice>
+    <mc:Fallback>
+      <p:transition spd="slow">
+        <p:fade/>
+      </p:transition>
+    </mc:Fallback>
+  </mc:AlternateContent>
+</p:sld>
+</file>
+
+<file path=ppt/slides/slide3.xml><?xml version="1.0" encoding="utf-8"?>
+<p:sld xmlns:a="http://schemas.openxmlformats.org/drawingml/2006/main" xmlns:r="http://schemas.openxmlformats.org/officeDocument/2006/relationships" xmlns:mc="http://schemas.openxmlformats.org/markup-compatibility/2006" xmlns:mv="urn:schemas-microsoft-com:mac:vml" xmlns:p="http://schemas.openxmlformats.org/presentationml/2006/main" xmlns:c="http://schemas.openxmlformats.org/drawingml/2006/chart" xmlns:dgm="http://schemas.openxmlformats.org/drawingml/2006/diagram" xmlns:o="urn:schemas-microsoft-com:office:office" xmlns:v="urn:schemas-microsoft-com:vml" xmlns:pvml="urn:schemas-microsoft-com:office:powerpoint" xmlns:com="http://schemas.openxmlformats.org/drawingml/2006/compatibility" xmlns:p14="http://schemas.microsoft.com/office/powerpoint/2010/main" xmlns:p15="http://schemas.microsoft.com/office/powerpoint/2012/main">
+  <p:cSld>
+    <p:spTree>
+      <p:nvGrpSpPr>
+        <p:cNvPr id="155" name="Shape 155"/>
+        <p:cNvGrpSpPr/>
+        <p:nvPr/>
+      </p:nvGrpSpPr>
+      <p:grpSpPr>
+        <a:xfrm>
+          <a:off x="0" y="0"/>
+          <a:ext cx="0" cy="0"/>
+          <a:chOff x="0" y="0"/>
+          <a:chExt cx="0" cy="0"/>
+        </a:xfrm>
+      </p:grpSpPr>
+      <p:sp>
+        <p:nvSpPr>
+          <p:cNvPr id="156" name="Shape 156"/>
+          <p:cNvSpPr txBox="1"/>
+          <p:nvPr>
+            <p:ph type="title"/>
+          </p:nvPr>
+        </p:nvSpPr>
+        <p:spPr>
+          <a:xfrm>
+            <a:off x="2895600" y="764373"/>
+            <a:ext cx="8610600" cy="1293000"/>
+          </a:xfrm>
+          <a:prstGeom prst="rect">
+            <a:avLst/>
+          </a:prstGeom>
+        </p:spPr>
+        <p:txBody>
+          <a:bodyPr anchorCtr="0" anchor="ctr" bIns="91425" lIns="91425" spcFirstLastPara="1" rIns="91425" wrap="square" tIns="91425">
+            <a:noAutofit/>
+          </a:bodyPr>
+          <a:lstStyle/>
+          <a:p>
+            <a:pPr indent="0" lvl="0" marL="0" algn="ctr">
+              <a:spcBef>
+                <a:spcPts val="0"/>
+              </a:spcBef>
+              <a:spcAft>
+                <a:spcPts val="0"/>
+              </a:spcAft>
+              <a:buNone/>
+            </a:pPr>
+            <a:r>
+              <a:rPr lang="en-US"/>
+              <a:t>Ось коли зробили цю плату: 2007.</a:t>
+            </a:r>
+            <a:endParaRPr/>
+          </a:p>
+        </p:txBody>
+      </p:sp>
+    </p:spTree>
+  </p:cSld>
+  <p:clrMapOvr>
+    <a:masterClrMapping/>
+  </p:clrMapOvr>
+</p:sld>
+</file>
+
+<file path=ppt/slides/slide4.xml><?xml version="1.0" encoding="utf-8"?>
+<p:sld xmlns:a="http://schemas.openxmlformats.org/drawingml/2006/main" xmlns:r="http://schemas.openxmlformats.org/officeDocument/2006/relationships" xmlns:mc="http://schemas.openxmlformats.org/markup-compatibility/2006" xmlns:mv="urn:schemas-microsoft-com:mac:vml" xmlns:p="http://schemas.openxmlformats.org/presentationml/2006/main" xmlns:c="http://schemas.openxmlformats.org/drawingml/2006/chart" xmlns:dgm="http://schemas.openxmlformats.org/drawingml/2006/diagram" xmlns:o="urn:schemas-microsoft-com:office:office" xmlns:v="urn:schemas-microsoft-com:vml" xmlns:pvml="urn:schemas-microsoft-com:office:powerpoint" xmlns:com="http://schemas.openxmlformats.org/drawingml/2006/compatibility" xmlns:p14="http://schemas.microsoft.com/office/powerpoint/2010/main" xmlns:p15="http://schemas.microsoft.com/office/powerpoint/2012/main">
+  <p:cSld>
+    <p:spTree>
+      <p:nvGrpSpPr>
+        <p:cNvPr id="160" name="Shape 160"/>
+        <p:cNvGrpSpPr/>
+        <p:nvPr/>
+      </p:nvGrpSpPr>
+      <p:grpSpPr>
+        <a:xfrm>
+          <a:off x="0" y="0"/>
+          <a:ext cx="0" cy="0"/>
+          <a:chOff x="0" y="0"/>
+          <a:chExt cx="0" cy="0"/>
+        </a:xfrm>
+      </p:grpSpPr>
+      <p:sp>
+        <p:nvSpPr>
+          <p:cNvPr id="161" name="Shape 161"/>
+          <p:cNvSpPr txBox="1"/>
+          <p:nvPr>
+            <p:ph type="title"/>
+          </p:nvPr>
+        </p:nvSpPr>
+        <p:spPr>
+          <a:xfrm>
+            <a:off x="685800" y="0"/>
+            <a:ext cx="10820400" cy="1259700"/>
+          </a:xfrm>
+          <a:prstGeom prst="rect">
+            <a:avLst/>
+          </a:prstGeom>
+        </p:spPr>
+        <p:txBody>
+          <a:bodyPr anchorCtr="0" anchor="b" bIns="91425" lIns="91425" spcFirstLastPara="1" rIns="91425" wrap="square" tIns="91425">
+            <a:noAutofit/>
+          </a:bodyPr>
+          <a:lstStyle/>
+          <a:p>
+            <a:pPr indent="0" lvl="0" marL="0" algn="l">
+              <a:spcBef>
+                <a:spcPts val="0"/>
+              </a:spcBef>
+              <a:spcAft>
+                <a:spcPts val="0"/>
+              </a:spcAft>
+              <a:buNone/>
+            </a:pPr>
+            <a:r>
+              <a:rPr lang="en-US"/>
+              <a:t>історія платформи </a:t>
+            </a:r>
+            <a:r>
+              <a:rPr lang="en-US" sz="3000"/>
+              <a:t>“Arduino UNO”</a:t>
+            </a:r>
+            <a:endParaRPr/>
+          </a:p>
+        </p:txBody>
+      </p:sp>
+      <p:sp>
+        <p:nvSpPr>
+          <p:cNvPr id="162" name="Shape 162"/>
+          <p:cNvSpPr txBox="1"/>
+          <p:nvPr>
+            <p:ph idx="1" type="body"/>
+          </p:nvPr>
+        </p:nvSpPr>
+        <p:spPr>
+          <a:xfrm>
+            <a:off x="685800" y="1259700"/>
+            <a:ext cx="10828800" cy="5598300"/>
+          </a:xfrm>
+          <a:prstGeom prst="rect">
+            <a:avLst/>
+          </a:prstGeom>
+        </p:spPr>
+        <p:txBody>
+          <a:bodyPr anchorCtr="0" anchor="t" bIns="91425" lIns="91425" spcFirstLastPara="1" rIns="91425" wrap="square" tIns="91425">
+            <a:noAutofit/>
+          </a:bodyPr>
+          <a:lstStyle/>
+          <a:p>
+            <a:pPr indent="0" lvl="0" marL="0" rtl="0" algn="l">
+              <a:spcBef>
+                <a:spcPts val="1000"/>
+              </a:spcBef>
+              <a:spcAft>
+                <a:spcPts val="0"/>
+              </a:spcAft>
+              <a:buNone/>
+            </a:pPr>
+            <a:r>
+              <a:rPr lang="en-US"/>
+              <a:t>Був такий город Івера у Еталії цій город знеменит королями-невдахами </a:t>
+            </a:r>
+            <a:endParaRPr/>
+          </a:p>
+          <a:p>
+            <a:pPr indent="0" lvl="0" marL="0" rtl="0" algn="l">
+              <a:spcBef>
+                <a:spcPts val="1000"/>
+              </a:spcBef>
+              <a:spcAft>
+                <a:spcPts val="0"/>
+              </a:spcAft>
+              <a:buNone/>
+            </a:pPr>
+            <a:r>
+              <a:rPr lang="en-US" sz="2400">
+                <a:solidFill>
+                  <a:srgbClr val="000000"/>
+                </a:solidFill>
+                <a:highlight>
+                  <a:srgbClr val="FFFFFF"/>
+                </a:highlight>
+                <a:latin typeface="Arial"/>
+                <a:ea typeface="Arial"/>
+                <a:cs typeface="Arial"/>
+                <a:sym typeface="Arial"/>
+              </a:rPr>
+              <a:t>Итальянский городок Ивреа, стоящий на реке Дора Балтея, знаменит своими королями-неудачниками. В 1002 году король Ардуин стал правителем страны, а через два года был свергнут королем Германии Генри II. Сегодня бар ди Ре Ардуино, расположенный в исторической части этого городка, назван в честь короля и стоит на том самом месте, где, по преданию, родился король.</a:t>
+            </a:r>
+            <a:r>
+              <a:rPr lang="en-US" sz="1800">
+                <a:latin typeface="Arial"/>
+                <a:ea typeface="Arial"/>
+                <a:cs typeface="Arial"/>
+                <a:sym typeface="Arial"/>
+              </a:rPr>
+              <a:t>Бар є пивній Массімо Банц (Massimo Banzi), італійського співзасновника проекту в сфері електроніки, який був названий на честь цього місця. Ардуіно - недорога мікроконтролерна плата, яка дозволяє навіть новачкові робити по-справжньому дивовижні речі. Ви можете під'єднати до Arduino різні типи датчиків, джерел світла, електромоторів і безліч інших пристроїв, і використовувати легко освоюване програмне забезпечення, щоб запрограмувати поведінку вашого творіння. Ви можете створити інтерактивний дисплей або рухомого робота, а потім розповісти про нього іншим, розмістивши звіт або відео в мережі.</a:t>
+            </a:r>
+            <a:endParaRPr sz="1800">
+              <a:latin typeface="Arial"/>
+              <a:ea typeface="Arial"/>
+              <a:cs typeface="Arial"/>
+              <a:sym typeface="Arial"/>
+            </a:endParaRPr>
+          </a:p>
+          <a:p>
+            <a:pPr indent="0" lvl="0" marL="0" rtl="0" algn="just">
+              <a:lnSpc>
+                <a:spcPct val="135000"/>
+              </a:lnSpc>
+              <a:spcBef>
+                <a:spcPts val="0"/>
+              </a:spcBef>
+              <a:spcAft>
+                <a:spcPts val="0"/>
+              </a:spcAft>
+              <a:buNone/>
+            </a:pPr>
+            <a:r>
+              <a:t/>
+            </a:r>
+            <a:endParaRPr sz="1000">
+              <a:solidFill>
+                <a:schemeClr val="dk1"/>
+              </a:solidFill>
+              <a:latin typeface="Arial"/>
+              <a:ea typeface="Arial"/>
+              <a:cs typeface="Arial"/>
+              <a:sym typeface="Arial"/>
+            </a:endParaRPr>
+          </a:p>
+          <a:p>
+            <a:pPr indent="0" lvl="0" marL="0" rtl="0" algn="just">
+              <a:lnSpc>
+                <a:spcPct val="135000"/>
+              </a:lnSpc>
+              <a:spcBef>
+                <a:spcPts val="0"/>
+              </a:spcBef>
+              <a:spcAft>
+                <a:spcPts val="0"/>
+              </a:spcAft>
+              <a:buNone/>
+            </a:pPr>
+            <a:r>
+              <a:t/>
+            </a:r>
+            <a:endParaRPr sz="1000">
+              <a:solidFill>
+                <a:schemeClr val="dk1"/>
+              </a:solidFill>
+              <a:latin typeface="Arial"/>
+              <a:ea typeface="Arial"/>
+              <a:cs typeface="Arial"/>
+              <a:sym typeface="Arial"/>
+            </a:endParaRPr>
+          </a:p>
+          <a:p>
+            <a:pPr indent="0" lvl="0" marL="0" rtl="0" algn="just">
+              <a:lnSpc>
+                <a:spcPct val="135000"/>
+              </a:lnSpc>
+              <a:spcBef>
+                <a:spcPts val="0"/>
+              </a:spcBef>
+              <a:spcAft>
+                <a:spcPts val="0"/>
+              </a:spcAft>
+              <a:buClr>
+                <a:schemeClr val="dk1"/>
+              </a:buClr>
+              <a:buSzPts val="1100"/>
+              <a:buFont typeface="Arial"/>
+              <a:buNone/>
+            </a:pPr>
+            <a:r>
+              <a:t/>
+            </a:r>
+            <a:endParaRPr sz="1000">
+              <a:solidFill>
+                <a:schemeClr val="dk1"/>
+              </a:solidFill>
+              <a:latin typeface="Arial"/>
+              <a:ea typeface="Arial"/>
+              <a:cs typeface="Arial"/>
+              <a:sym typeface="Arial"/>
+            </a:endParaRPr>
+          </a:p>
+          <a:p>
+            <a:pPr indent="0" lvl="0" marL="0" rtl="0" algn="just">
+              <a:lnSpc>
+                <a:spcPct val="135000"/>
+              </a:lnSpc>
+              <a:spcBef>
+                <a:spcPts val="0"/>
+              </a:spcBef>
+              <a:spcAft>
+                <a:spcPts val="0"/>
+              </a:spcAft>
+              <a:buClr>
+                <a:schemeClr val="dk1"/>
+              </a:buClr>
+              <a:buSzPts val="1100"/>
+              <a:buFont typeface="Arial"/>
+              <a:buNone/>
+            </a:pPr>
+            <a:r>
+              <a:t/>
+            </a:r>
+            <a:endParaRPr sz="1000">
+              <a:solidFill>
+                <a:schemeClr val="dk1"/>
+              </a:solidFill>
+              <a:latin typeface="Arial"/>
+              <a:ea typeface="Arial"/>
+              <a:cs typeface="Arial"/>
+              <a:sym typeface="Arial"/>
+            </a:endParaRPr>
+          </a:p>
+          <a:p>
+            <a:pPr indent="0" lvl="0" marL="0" algn="l">
+              <a:spcBef>
+                <a:spcPts val="1000"/>
+              </a:spcBef>
+              <a:spcAft>
+                <a:spcPts val="0"/>
+              </a:spcAft>
+              <a:buNone/>
+            </a:pPr>
+            <a:r>
+              <a:t/>
+            </a:r>
+            <a:endParaRPr/>
+          </a:p>
+        </p:txBody>
+      </p:sp>
+    </p:spTree>
+  </p:cSld>
+  <p:clrMapOvr>
+    <a:masterClrMapping/>
+  </p:clrMapOvr>
+</p:sld>
+</file>
+
+<file path=ppt/slides/slide5.xml><?xml version="1.0" encoding="utf-8"?>
+<p:sld xmlns:a="http://schemas.openxmlformats.org/drawingml/2006/main" xmlns:r="http://schemas.openxmlformats.org/officeDocument/2006/relationships" xmlns:mc="http://schemas.openxmlformats.org/markup-compatibility/2006" xmlns:mv="urn:schemas-microsoft-com:mac:vml" xmlns:p="http://schemas.openxmlformats.org/presentationml/2006/main" xmlns:c="http://schemas.openxmlformats.org/drawingml/2006/chart" xmlns:dgm="http://schemas.openxmlformats.org/drawingml/2006/diagram" xmlns:o="urn:schemas-microsoft-com:office:office" xmlns:v="urn:schemas-microsoft-com:vml" xmlns:pvml="urn:schemas-microsoft-com:office:powerpoint" xmlns:com="http://schemas.openxmlformats.org/drawingml/2006/compatibility" xmlns:p14="http://schemas.microsoft.com/office/powerpoint/2010/main" xmlns:p15="http://schemas.microsoft.com/office/powerpoint/2012/main">
+  <p:cSld>
+    <p:spTree>
+      <p:nvGrpSpPr>
+        <p:cNvPr id="166" name="Shape 166"/>
+        <p:cNvGrpSpPr/>
+        <p:nvPr/>
+      </p:nvGrpSpPr>
+      <p:grpSpPr>
+        <a:xfrm>
+          <a:off x="0" y="0"/>
+          <a:ext cx="0" cy="0"/>
+          <a:chOff x="0" y="0"/>
+          <a:chExt cx="0" cy="0"/>
+        </a:xfrm>
+      </p:grpSpPr>
+      <p:sp>
+        <p:nvSpPr>
+          <p:cNvPr id="167" name="Shape 167"/>
+          <p:cNvSpPr txBox="1"/>
+          <p:nvPr>
             <p:ph type="title"/>
           </p:nvPr>
         </p:nvSpPr>
@@ -26228,8 +26999,8 @@
   </p:clrMapOvr>
   <mc:AlternateContent>
     <mc:Choice Requires="p14">
-      <p:transition spd="slow" p14:dur="1200">
-        <p:fade thruBlk="1"/>
+      <p:transition spd="slow" p14:dur="1400">
+        <p:fade/>
       </p:transition>
     </mc:Choice>
     <mc:Fallback>
@@ -26246,6 +27017,62 @@
             <p:seq concurrent="1" nextAc="seek">
               <p:cTn dur="indefinite" id="2" nodeType="mainSeq">
                 <p:childTnLst>
+                  <p:par>
+                    <p:cTn fill="hold">
+                      <p:stCondLst>
+                        <p:cond delay="indefinite"/>
+                        <p:cond evt="onBegin" delay="0">
+                          <p:tn val="2"/>
+                        </p:cond>
+                      </p:stCondLst>
+                      <p:childTnLst>
+                        <p:par>
+                          <p:cTn fill="hold">
+                            <p:stCondLst>
+                              <p:cond delay="0"/>
+                            </p:stCondLst>
+                            <p:childTnLst>
+                              <p:par>
+                                <p:cTn fill="hold" nodeType="afterEffect" presetClass="entr" presetID="10" presetSubtype="0">
+                                  <p:stCondLst>
+                                    <p:cond delay="0"/>
+                                  </p:stCondLst>
+                                  <p:childTnLst>
+                                    <p:set>
+                                      <p:cBhvr>
+                                        <p:cTn dur="1" fill="hold">
+                                          <p:stCondLst>
+                                            <p:cond delay="0"/>
+                                          </p:stCondLst>
+                                        </p:cTn>
+                                        <p:tgtEl>
+                                          <p:spTgt spid="167"/>
+                                        </p:tgtEl>
+                                        <p:attrNameLst>
+                                          <p:attrName>style.visibility</p:attrName>
+                                        </p:attrNameLst>
+                                      </p:cBhvr>
+                                      <p:to>
+                                        <p:strVal val="visible"/>
+                                      </p:to>
+                                    </p:set>
+                                    <p:animEffect filter="fade" transition="in">
+                                      <p:cBhvr>
+                                        <p:cTn dur="1822"/>
+                                        <p:tgtEl>
+                                          <p:spTgt spid="167"/>
+                                        </p:tgtEl>
+                                      </p:cBhvr>
+                                    </p:animEffect>
+                                  </p:childTnLst>
+                                </p:cTn>
+                              </p:par>
+                            </p:childTnLst>
+                          </p:cTn>
+                        </p:par>
+                      </p:childTnLst>
+                    </p:cTn>
+                  </p:par>
                   <p:par>
                     <p:cTn fill="hold">
                       <p:stCondLst>
@@ -26272,7 +27099,7 @@
                                           </p:stCondLst>
                                         </p:cTn>
                                         <p:tgtEl>
-                                          <p:spTgt spid="150"/>
+                                          <p:spTgt spid="167"/>
                                         </p:tgtEl>
                                         <p:attrNameLst>
                                           <p:attrName>style.visibility</p:attrName>
@@ -26284,9 +27111,9 @@
                                     </p:set>
                                     <p:animEffect filter="fade" transition="in">
                                       <p:cBhvr>
-                                        <p:cTn dur="1822"/>
+                                        <p:cTn dur="1000"/>
                                         <p:tgtEl>
-                                          <p:spTgt spid="150"/>
+                                          <p:spTgt spid="167"/>
                                         </p:tgtEl>
                                       </p:cBhvr>
                                     </p:animEffect>
@@ -26324,12 +27151,12 @@
 </p:sld>
 </file>
 
-<file path=ppt/slides/slide3.xml><?xml version="1.0" encoding="utf-8"?>
+<file path=ppt/slides/slide6.xml><?xml version="1.0" encoding="utf-8"?>
 <p:sld xmlns:a="http://schemas.openxmlformats.org/drawingml/2006/main" xmlns:r="http://schemas.openxmlformats.org/officeDocument/2006/relationships" xmlns:mc="http://schemas.openxmlformats.org/markup-compatibility/2006" xmlns:mv="urn:schemas-microsoft-com:mac:vml" xmlns:p="http://schemas.openxmlformats.org/presentationml/2006/main" xmlns:c="http://schemas.openxmlformats.org/drawingml/2006/chart" xmlns:dgm="http://schemas.openxmlformats.org/drawingml/2006/diagram" xmlns:o="urn:schemas-microsoft-com:office:office" xmlns:v="urn:schemas-microsoft-com:vml" xmlns:pvml="urn:schemas-microsoft-com:office:powerpoint" xmlns:com="http://schemas.openxmlformats.org/drawingml/2006/compatibility" xmlns:p14="http://schemas.microsoft.com/office/powerpoint/2010/main" xmlns:p15="http://schemas.microsoft.com/office/powerpoint/2012/main">
   <p:cSld>
     <p:spTree>
       <p:nvGrpSpPr>
-        <p:cNvPr id="154" name="Shape 154"/>
+        <p:cNvPr id="171" name="Shape 171"/>
         <p:cNvGrpSpPr/>
         <p:nvPr/>
       </p:nvGrpSpPr>
@@ -26343,7 +27170,7 @@
       </p:grpSpPr>
       <p:sp>
         <p:nvSpPr>
-          <p:cNvPr id="155" name="Shape 155"/>
+          <p:cNvPr id="172" name="Shape 172"/>
           <p:cNvSpPr txBox="1"/>
           <p:nvPr>
             <p:ph type="title"/>
@@ -26395,7 +27222,23 @@
                 <a:cs typeface="Century Gothic"/>
                 <a:sym typeface="Century Gothic"/>
               </a:rPr>
-              <a:t>ДАЛЬШЕ О АРДУИНО</a:t>
+              <a:t>ДА</a:t>
+            </a:r>
+            <a:r>
+              <a:rPr lang="en-US"/>
+              <a:t>ЛІ</a:t>
+            </a:r>
+            <a:r>
+              <a:rPr b="0" i="0" lang="en-US" sz="3200" u="none" cap="none" strike="noStrike">
+                <a:solidFill>
+                  <a:schemeClr val="lt1"/>
+                </a:solidFill>
+                <a:latin typeface="Century Gothic"/>
+                <a:ea typeface="Century Gothic"/>
+                <a:cs typeface="Century Gothic"/>
+                <a:sym typeface="Century Gothic"/>
+              </a:rPr>
+              <a:t> О АРДУИНО</a:t>
             </a:r>
             <a:endParaRPr b="0" i="0" sz="3200" u="none" cap="none" strike="noStrike">
               <a:solidFill>
@@ -26411,7 +27254,7 @@
       </p:sp>
       <p:pic>
         <p:nvPicPr>
-          <p:cNvPr id="156" name="Shape 156"/>
+          <p:cNvPr id="173" name="Shape 173"/>
           <p:cNvPicPr preferRelativeResize="0"/>
           <p:nvPr>
             <p:ph idx="2" type="pic"/>
@@ -26440,7 +27283,7 @@
       </p:pic>
       <p:sp>
         <p:nvSpPr>
-          <p:cNvPr id="157" name="Shape 157"/>
+          <p:cNvPr id="174" name="Shape 174"/>
           <p:cNvSpPr txBox="1"/>
           <p:nvPr>
             <p:ph idx="1" type="body"/>
@@ -26492,7 +27335,23 @@
                 <a:cs typeface="Century Gothic"/>
                 <a:sym typeface="Century Gothic"/>
               </a:rPr>
-              <a:t>Arduino може використовуватися як для створення автономних інтерактивних об'єктів, так і підключатися до програмного забезпечення, яке виконується на комп'ютері. Інформація про плату знаходяться у відкритому доступі і можуть бути використані тими, хто воліє створювати плати власноручно.</a:t>
+              <a:t>Arduino може використовуватися як для створення автономних інтерактивних об'єктів, так і підключатися до програмного забезпечення, яке виконується на комп'ютері. Інформація про плату знах</a:t>
+            </a:r>
+            <a:r>
+              <a:rPr lang="en-US" sz="2400"/>
+              <a:t>одиться</a:t>
+            </a:r>
+            <a:r>
+              <a:rPr b="0" i="0" lang="en-US" sz="2400" u="none" cap="none" strike="noStrike">
+                <a:solidFill>
+                  <a:schemeClr val="lt1"/>
+                </a:solidFill>
+                <a:latin typeface="Century Gothic"/>
+                <a:ea typeface="Century Gothic"/>
+                <a:cs typeface="Century Gothic"/>
+                <a:sym typeface="Century Gothic"/>
+              </a:rPr>
+              <a:t> у відкритому доступі і можуть бути використані тими, хто воліє створювати плати власноручно.</a:t>
             </a:r>
             <a:endParaRPr b="0" i="0" sz="2400" u="none" cap="none" strike="noStrike">
               <a:solidFill>
@@ -26548,7 +27407,7 @@
                                           </p:stCondLst>
                                         </p:cTn>
                                         <p:tgtEl>
-                                          <p:spTgt spid="155"/>
+                                          <p:spTgt spid="172"/>
                                         </p:tgtEl>
                                         <p:attrNameLst>
                                           <p:attrName>style.visibility</p:attrName>
@@ -26562,7 +27421,7 @@
                                       <p:cBhvr additive="base">
                                         <p:cTn dur="500"/>
                                         <p:tgtEl>
-                                          <p:spTgt spid="155"/>
+                                          <p:spTgt spid="172"/>
                                         </p:tgtEl>
                                         <p:attrNameLst>
                                           <p:attrName>ppt_y</p:attrName>
@@ -26616,7 +27475,7 @@
                                           </p:stCondLst>
                                         </p:cTn>
                                         <p:tgtEl>
-                                          <p:spTgt spid="157">
+                                          <p:spTgt spid="174">
                                             <p:txEl>
                                               <p:pRg end="0" st="0"/>
                                             </p:txEl>
@@ -26634,7 +27493,7 @@
                                       <p:cBhvr>
                                         <p:cTn dur="2000"/>
                                         <p:tgtEl>
-                                          <p:spTgt spid="157">
+                                          <p:spTgt spid="174">
                                             <p:txEl>
                                               <p:pRg end="0" st="0"/>
                                             </p:txEl>
@@ -26677,7 +27536,7 @@
                                           </p:stCondLst>
                                         </p:cTn>
                                         <p:tgtEl>
-                                          <p:spTgt spid="156"/>
+                                          <p:spTgt spid="173"/>
                                         </p:tgtEl>
                                         <p:attrNameLst>
                                           <p:attrName>style.visibility</p:attrName>
@@ -26691,7 +27550,7 @@
                                       <p:cBhvr>
                                         <p:cTn dur="2000"/>
                                         <p:tgtEl>
-                                          <p:spTgt spid="156"/>
+                                          <p:spTgt spid="173"/>
                                         </p:tgtEl>
                                       </p:cBhvr>
                                     </p:animEffect>
@@ -26729,12 +27588,12 @@
 </p:sld>
 </file>
 
-<file path=ppt/slides/slide4.xml><?xml version="1.0" encoding="utf-8"?>
+<file path=ppt/slides/slide7.xml><?xml version="1.0" encoding="utf-8"?>
 <p:sld xmlns:a="http://schemas.openxmlformats.org/drawingml/2006/main" xmlns:r="http://schemas.openxmlformats.org/officeDocument/2006/relationships" xmlns:mc="http://schemas.openxmlformats.org/markup-compatibility/2006" xmlns:mv="urn:schemas-microsoft-com:mac:vml" xmlns:p="http://schemas.openxmlformats.org/presentationml/2006/main" xmlns:c="http://schemas.openxmlformats.org/drawingml/2006/chart" xmlns:dgm="http://schemas.openxmlformats.org/drawingml/2006/diagram" xmlns:o="urn:schemas-microsoft-com:office:office" xmlns:v="urn:schemas-microsoft-com:vml" xmlns:pvml="urn:schemas-microsoft-com:office:powerpoint" xmlns:com="http://schemas.openxmlformats.org/drawingml/2006/compatibility" xmlns:p14="http://schemas.microsoft.com/office/powerpoint/2010/main" xmlns:p15="http://schemas.microsoft.com/office/powerpoint/2012/main">
   <p:cSld>
     <p:spTree>
       <p:nvGrpSpPr>
-        <p:cNvPr id="161" name="Shape 161"/>
+        <p:cNvPr id="178" name="Shape 178"/>
         <p:cNvGrpSpPr/>
         <p:nvPr/>
       </p:nvGrpSpPr>
@@ -26748,7 +27607,7 @@
       </p:grpSpPr>
       <p:sp>
         <p:nvSpPr>
-          <p:cNvPr id="162" name="Shape 162"/>
+          <p:cNvPr id="179" name="Shape 179"/>
           <p:cNvSpPr txBox="1"/>
           <p:nvPr>
             <p:ph type="title"/>
@@ -26791,6 +27650,10 @@
               <a:buNone/>
             </a:pPr>
             <a:r>
+              <a:rPr lang="en-US"/>
+              <a:t>БІЛЬШЕ</a:t>
+            </a:r>
+            <a:r>
               <a:rPr b="0" i="0" lang="en-US" sz="3200" u="none" cap="none" strike="noStrike">
                 <a:solidFill>
                   <a:schemeClr val="lt1"/>
@@ -26800,7 +27663,39 @@
                 <a:cs typeface="Century Gothic"/>
                 <a:sym typeface="Century Gothic"/>
               </a:rPr>
-              <a:t>БОЛЬШЕ ИНФО НЕТУ</a:t>
+              <a:t> </a:t>
+            </a:r>
+            <a:r>
+              <a:rPr lang="en-US"/>
+              <a:t>і</a:t>
+            </a:r>
+            <a:r>
+              <a:rPr b="0" i="0" lang="en-US" sz="3200" u="none" cap="none" strike="noStrike">
+                <a:solidFill>
+                  <a:schemeClr val="lt1"/>
+                </a:solidFill>
+                <a:latin typeface="Century Gothic"/>
+                <a:ea typeface="Century Gothic"/>
+                <a:cs typeface="Century Gothic"/>
+                <a:sym typeface="Century Gothic"/>
+              </a:rPr>
+              <a:t>НФ</a:t>
+            </a:r>
+            <a:r>
+              <a:rPr lang="en-US"/>
+              <a:t>И</a:t>
+            </a:r>
+            <a:r>
+              <a:rPr b="0" i="0" lang="en-US" sz="3200" u="none" cap="none" strike="noStrike">
+                <a:solidFill>
+                  <a:schemeClr val="lt1"/>
+                </a:solidFill>
+                <a:latin typeface="Century Gothic"/>
+                <a:ea typeface="Century Gothic"/>
+                <a:cs typeface="Century Gothic"/>
+                <a:sym typeface="Century Gothic"/>
+              </a:rPr>
+              <a:t> НЕТУ</a:t>
             </a:r>
             <a:endParaRPr b="0" i="0" sz="3200" u="none" cap="none" strike="noStrike">
               <a:solidFill>
@@ -26816,7 +27711,7 @@
       </p:sp>
       <p:pic>
         <p:nvPicPr>
-          <p:cNvPr id="163" name="Shape 163"/>
+          <p:cNvPr id="180" name="Shape 180"/>
           <p:cNvPicPr preferRelativeResize="0"/>
           <p:nvPr>
             <p:ph idx="2" type="pic"/>
@@ -26845,7 +27740,7 @@
       </p:pic>
       <p:sp>
         <p:nvSpPr>
-          <p:cNvPr id="164" name="Shape 164"/>
+          <p:cNvPr id="181" name="Shape 181"/>
           <p:cNvSpPr txBox="1"/>
           <p:nvPr>
             <p:ph idx="1" type="body"/>
@@ -26953,7 +27848,7 @@
                                           </p:stCondLst>
                                         </p:cTn>
                                         <p:tgtEl>
-                                          <p:spTgt spid="162"/>
+                                          <p:spTgt spid="179"/>
                                         </p:tgtEl>
                                         <p:attrNameLst>
                                           <p:attrName>style.visibility</p:attrName>
@@ -26967,7 +27862,7 @@
                                       <p:cBhvr>
                                         <p:cTn dur="500"/>
                                         <p:tgtEl>
-                                          <p:spTgt spid="162"/>
+                                          <p:spTgt spid="179"/>
                                         </p:tgtEl>
                                       </p:cBhvr>
                                     </p:animEffect>
@@ -27006,7 +27901,7 @@
                                           </p:stCondLst>
                                         </p:cTn>
                                         <p:tgtEl>
-                                          <p:spTgt spid="163"/>
+                                          <p:spTgt spid="180"/>
                                         </p:tgtEl>
                                         <p:attrNameLst>
                                           <p:attrName>style.visibility</p:attrName>
@@ -27020,7 +27915,7 @@
                                       <p:cBhvr>
                                         <p:cTn dur="500"/>
                                         <p:tgtEl>
-                                          <p:spTgt spid="163"/>
+                                          <p:spTgt spid="180"/>
                                         </p:tgtEl>
                                       </p:cBhvr>
                                     </p:animEffect>
@@ -27058,12 +27953,12 @@
 </p:sld>
 </file>
 
-<file path=ppt/slides/slide5.xml><?xml version="1.0" encoding="utf-8"?>
+<file path=ppt/slides/slide8.xml><?xml version="1.0" encoding="utf-8"?>
 <p:sld xmlns:a="http://schemas.openxmlformats.org/drawingml/2006/main" xmlns:r="http://schemas.openxmlformats.org/officeDocument/2006/relationships" xmlns:mc="http://schemas.openxmlformats.org/markup-compatibility/2006" xmlns:mv="urn:schemas-microsoft-com:mac:vml" xmlns:p="http://schemas.openxmlformats.org/presentationml/2006/main" xmlns:c="http://schemas.openxmlformats.org/drawingml/2006/chart" xmlns:dgm="http://schemas.openxmlformats.org/drawingml/2006/diagram" xmlns:o="urn:schemas-microsoft-com:office:office" xmlns:v="urn:schemas-microsoft-com:vml" xmlns:pvml="urn:schemas-microsoft-com:office:powerpoint" xmlns:com="http://schemas.openxmlformats.org/drawingml/2006/compatibility" xmlns:p14="http://schemas.microsoft.com/office/powerpoint/2010/main" xmlns:p15="http://schemas.microsoft.com/office/powerpoint/2012/main">
   <p:cSld>
     <p:spTree>
       <p:nvGrpSpPr>
-        <p:cNvPr id="168" name="Shape 168"/>
+        <p:cNvPr id="185" name="Shape 185"/>
         <p:cNvGrpSpPr/>
         <p:nvPr/>
       </p:nvGrpSpPr>
@@ -27077,7 +27972,7 @@
       </p:grpSpPr>
       <p:sp>
         <p:nvSpPr>
-          <p:cNvPr id="169" name="Shape 169"/>
+          <p:cNvPr id="186" name="Shape 186"/>
           <p:cNvSpPr txBox="1"/>
           <p:nvPr>
             <p:ph type="title"/>
@@ -27129,7 +28024,19 @@
                 <a:cs typeface="Century Gothic"/>
                 <a:sym typeface="Century Gothic"/>
               </a:rPr>
-              <a:t>       УСІМ   ☺   ДОПОБАЧЕННЯ</a:t>
+              <a:t>       УСІМ   ☺   </a:t>
+            </a:r>
+            <a:r>
+              <a:rPr b="0" i="0" lang="en-US" sz="4000" u="none" cap="none" strike="noStrike">
+                <a:solidFill>
+                  <a:schemeClr val="lt1"/>
+                </a:solidFill>
+                <a:latin typeface="Century Gothic"/>
+                <a:ea typeface="Century Gothic"/>
+                <a:cs typeface="Century Gothic"/>
+                <a:sym typeface="Century Gothic"/>
+              </a:rPr>
+              <a:t>ДО ПОБАЧЕННЯ</a:t>
             </a:r>
             <a:endParaRPr b="0" i="0" sz="4000" u="none" cap="none" strike="noStrike">
               <a:solidFill>
@@ -27181,7 +28088,7 @@
                                       <p:cBhvr>
                                         <p:cTn dur="1822"/>
                                         <p:tgtEl>
-                                          <p:spTgt spid="169"/>
+                                          <p:spTgt spid="186"/>
                                         </p:tgtEl>
                                       </p:cBhvr>
                                     </p:animEffect>
@@ -27193,7 +28100,7 @@
                                           </p:stCondLst>
                                         </p:cTn>
                                         <p:tgtEl>
-                                          <p:spTgt spid="169"/>
+                                          <p:spTgt spid="186"/>
                                         </p:tgtEl>
                                         <p:attrNameLst>
                                           <p:attrName>style.visibility</p:attrName>
@@ -27237,12 +28144,12 @@
 </p:sld>
 </file>
 
-<file path=ppt/slides/slide6.xml><?xml version="1.0" encoding="utf-8"?>
+<file path=ppt/slides/slide9.xml><?xml version="1.0" encoding="utf-8"?>
 <p:sld xmlns:a="http://schemas.openxmlformats.org/drawingml/2006/main" xmlns:r="http://schemas.openxmlformats.org/officeDocument/2006/relationships" xmlns:mc="http://schemas.openxmlformats.org/markup-compatibility/2006" xmlns:mv="urn:schemas-microsoft-com:mac:vml" xmlns:p="http://schemas.openxmlformats.org/presentationml/2006/main" xmlns:c="http://schemas.openxmlformats.org/drawingml/2006/chart" xmlns:dgm="http://schemas.openxmlformats.org/drawingml/2006/diagram" xmlns:o="urn:schemas-microsoft-com:office:office" xmlns:v="urn:schemas-microsoft-com:vml" xmlns:pvml="urn:schemas-microsoft-com:office:powerpoint" xmlns:com="http://schemas.openxmlformats.org/drawingml/2006/compatibility" xmlns:p14="http://schemas.microsoft.com/office/powerpoint/2010/main" xmlns:p15="http://schemas.microsoft.com/office/powerpoint/2012/main">
   <p:cSld>
     <p:spTree>
       <p:nvGrpSpPr>
-        <p:cNvPr id="173" name="Shape 173"/>
+        <p:cNvPr id="190" name="Shape 190"/>
         <p:cNvGrpSpPr/>
         <p:nvPr/>
       </p:nvGrpSpPr>
@@ -27256,7 +28163,7 @@
       </p:grpSpPr>
       <p:sp>
         <p:nvSpPr>
-          <p:cNvPr id="174" name="Shape 174"/>
+          <p:cNvPr id="191" name="Shape 191"/>
           <p:cNvSpPr txBox="1"/>
           <p:nvPr>
             <p:ph type="title"/>
@@ -27287,6 +28194,10 @@
               <a:buNone/>
             </a:pPr>
             <a:r>
+              <a:rPr lang="en-US"/>
+              <a:t>  </a:t>
+            </a:r>
+            <a:r>
               <a:rPr lang="en-US" u="sng">
                 <a:solidFill>
                   <a:schemeClr val="hlink"/>
@@ -27294,6 +28205,10 @@
                 <a:hlinkClick r:id="rId3"/>
               </a:rPr>
               <a:t>блог</a:t>
+            </a:r>
+            <a:r>
+              <a:rPr lang="en-US"/>
+              <a:t> </a:t>
             </a:r>
             <a:endParaRPr/>
           </a:p>

--- a/4-6B/kasparov/ардуино.pptx
+++ b/4-6B/kasparov/ардуино.pptx
@@ -26651,7 +26651,7 @@
               <a:buNone/>
             </a:pPr>
             <a:r>
-              <a:rPr lang="en-US" sz="2400">
+              <a:rPr lang="en-US" sz="1800">
                 <a:solidFill>
                   <a:srgbClr val="000000"/>
                 </a:solidFill>
@@ -26663,16 +26663,7 @@
                 <a:cs typeface="Arial"/>
                 <a:sym typeface="Arial"/>
               </a:rPr>
-              <a:t>Итальянский городок Ивреа, стоящий на реке Дора Балтея, знаменит своими королями-неудачниками. В 1002 году король Ардуин стал правителем страны, а через два года был свергнут королем Германии Генри II. Сегодня бар ди Ре Ардуино, расположенный в исторической части этого городка, назван в честь короля и стоит на том самом месте, где, по преданию, родился король.</a:t>
-            </a:r>
-            <a:r>
-              <a:rPr lang="en-US" sz="1800">
-                <a:latin typeface="Arial"/>
-                <a:ea typeface="Arial"/>
-                <a:cs typeface="Arial"/>
-                <a:sym typeface="Arial"/>
-              </a:rPr>
-              <a:t>Бар є пивній Массімо Банц (Massimo Banzi), італійського співзасновника проекту в сфері електроніки, який був названий на честь цього місця. Ардуіно - недорога мікроконтролерна плата, яка дозволяє навіть новачкові робити по-справжньому дивовижні речі. Ви можете під'єднати до Arduino різні типи датчиків, джерел світла, електромоторів і безліч інших пристроїв, і використовувати легко освоюване програмне забезпечення, щоб запрограмувати поведінку вашого творіння. Ви можете створити інтерактивний дисплей або рухомого робота, а потім розповісти про нього іншим, розмістивши звіт або відео в мережі.</a:t>
+              <a:t>Італійське містечко Ивреа, що стоїть на річці Дора Балтея, знаменитий своїми королями-невдахами. У 1002 році король Ардуіно став правителем країни, а через два роки був повалений королем Німеччини Генрі II. Сьогодні бар ді Ре Ардуіно, розташований в історичній частині цього містечка, названий на честь короля і стоїть на тому самому місці, де, за переказами, народився король.Бар є півній Массімо Банц (Massimo Banzi), італійського співзасновніка проекту в сфері електроніки, Який БУВ назв на честь цього місця. Ардуіно - недорога мікроконтролерна плата, яка дозволяє даже новачкові делать по-Справжня Дивовижні РЕЧІ. Ви можете під'єднаті до Arduino Різні типи датчіків, джерел світла, електромоторів и безліч других прістроїв, и використовуват легко освоюване програмне забезпечення, щоб запрограмуваті поведение вашого Творіння. Ви можете создать інтерактивний дисплей або рухомого робота, а потім розповісті про нього іншім, розмістівші звіт або відео в мережі.</a:t>
             </a:r>
             <a:endParaRPr sz="1800">
               <a:latin typeface="Arial"/>
@@ -27615,8 +27606,8 @@
         </p:nvSpPr>
         <p:spPr>
           <a:xfrm>
-            <a:off x="987998" y="751241"/>
-            <a:ext cx="6873240" cy="1600200"/>
+            <a:off x="284175" y="751250"/>
+            <a:ext cx="8770200" cy="1600200"/>
           </a:xfrm>
           <a:prstGeom prst="rect">
             <a:avLst/>
@@ -27650,11 +27641,11 @@
               <a:buNone/>
             </a:pPr>
             <a:r>
-              <a:rPr lang="en-US"/>
+              <a:rPr lang="en-US" sz="6000"/>
               <a:t>БІЛЬШЕ</a:t>
             </a:r>
             <a:r>
-              <a:rPr b="0" i="0" lang="en-US" sz="3200" u="none" cap="none" strike="noStrike">
+              <a:rPr b="0" i="0" lang="en-US" sz="6000" u="none" cap="none" strike="noStrike">
                 <a:solidFill>
                   <a:schemeClr val="lt1"/>
                 </a:solidFill>
@@ -27666,11 +27657,11 @@
               <a:t> </a:t>
             </a:r>
             <a:r>
-              <a:rPr lang="en-US"/>
+              <a:rPr lang="en-US" sz="6000"/>
               <a:t>і</a:t>
             </a:r>
             <a:r>
-              <a:rPr b="0" i="0" lang="en-US" sz="3200" u="none" cap="none" strike="noStrike">
+              <a:rPr b="0" i="0" lang="en-US" sz="6000" u="none" cap="none" strike="noStrike">
                 <a:solidFill>
                   <a:schemeClr val="lt1"/>
                 </a:solidFill>
@@ -27682,11 +27673,11 @@
               <a:t>НФ</a:t>
             </a:r>
             <a:r>
-              <a:rPr lang="en-US"/>
+              <a:rPr lang="en-US" sz="6000"/>
               <a:t>И</a:t>
             </a:r>
             <a:r>
-              <a:rPr b="0" i="0" lang="en-US" sz="3200" u="none" cap="none" strike="noStrike">
+              <a:rPr b="0" i="0" lang="en-US" sz="6000" u="none" cap="none" strike="noStrike">
                 <a:solidFill>
                   <a:schemeClr val="lt1"/>
                 </a:solidFill>
@@ -27695,7 +27686,15 @@
                 <a:cs typeface="Century Gothic"/>
                 <a:sym typeface="Century Gothic"/>
               </a:rPr>
-              <a:t> НЕТУ</a:t>
+              <a:t> Н</a:t>
+            </a:r>
+            <a:r>
+              <a:rPr lang="en-US" sz="6000"/>
+              <a:t>ЕМА</a:t>
+            </a:r>
+            <a:r>
+              <a:rPr lang="en-US"/>
+              <a:t> </a:t>
             </a:r>
             <a:endParaRPr b="0" i="0" sz="3200" u="none" cap="none" strike="noStrike">
               <a:solidFill>
@@ -28223,6 +28222,285 @@
 </file>
 
 <file path=ppt/theme/theme1.xml><?xml version="1.0" encoding="utf-8"?>
+<a:theme xmlns:a="http://schemas.openxmlformats.org/drawingml/2006/main" xmlns:r="http://schemas.openxmlformats.org/officeDocument/2006/relationships">
+  <a:themeElements>
+    <a:clrScheme name="Default">
+      <a:dk1>
+        <a:srgbClr val="000000"/>
+      </a:dk1>
+      <a:lt1>
+        <a:srgbClr val="FFFFFF"/>
+      </a:lt1>
+      <a:dk2>
+        <a:srgbClr val="158158"/>
+      </a:dk2>
+      <a:lt2>
+        <a:srgbClr val="F3F3F3"/>
+      </a:lt2>
+      <a:accent1>
+        <a:srgbClr val="058DC7"/>
+      </a:accent1>
+      <a:accent2>
+        <a:srgbClr val="50B432"/>
+      </a:accent2>
+      <a:accent3>
+        <a:srgbClr val="ED561B"/>
+      </a:accent3>
+      <a:accent4>
+        <a:srgbClr val="EDEF00"/>
+      </a:accent4>
+      <a:accent5>
+        <a:srgbClr val="24CBE5"/>
+      </a:accent5>
+      <a:accent6>
+        <a:srgbClr val="64E572"/>
+      </a:accent6>
+      <a:hlink>
+        <a:srgbClr val="2200CC"/>
+      </a:hlink>
+      <a:folHlink>
+        <a:srgbClr val="551A8B"/>
+      </a:folHlink>
+    </a:clrScheme>
+    <a:fontScheme name="Office">
+      <a:majorFont>
+        <a:latin typeface="Arial"/>
+        <a:ea typeface=""/>
+        <a:cs typeface=""/>
+        <a:font script="Jpan" typeface="ＭＳ Ｐゴシック"/>
+        <a:font script="Hang" typeface="맑은 고딕"/>
+        <a:font script="Hans" typeface="宋体"/>
+        <a:font script="Hant" typeface="新細明體"/>
+        <a:font script="Arab" typeface="Times New Roman"/>
+        <a:font script="Hebr" typeface="Times New Roman"/>
+        <a:font script="Thai" typeface="Angsana New"/>
+        <a:font script="Ethi" typeface="Nyala"/>
+        <a:font script="Beng" typeface="Vrinda"/>
+        <a:font script="Gujr" typeface="Shruti"/>
+        <a:font script="Khmr" typeface="MoolBoran"/>
+        <a:font script="Knda" typeface="Tunga"/>
+        <a:font script="Guru" typeface="Raavi"/>
+        <a:font script="Cans" typeface="Euphemia"/>
+        <a:font script="Cher" typeface="Plantagenet Cherokee"/>
+        <a:font script="Yiii" typeface="Microsoft Yi Baiti"/>
+        <a:font script="Tibt" typeface="Microsoft Himalaya"/>
+        <a:font script="Thaa" typeface="MV Boli"/>
+        <a:font script="Deva" typeface="Mangal"/>
+        <a:font script="Telu" typeface="Gautami"/>
+        <a:font script="Taml" typeface="Latha"/>
+        <a:font script="Syrc" typeface="Estrangelo Edessa"/>
+        <a:font script="Orya" typeface="Kalinga"/>
+        <a:font script="Mlym" typeface="Kartika"/>
+        <a:font script="Laoo" typeface="DokChampa"/>
+        <a:font script="Sinh" typeface="Iskoola Pota"/>
+        <a:font script="Mong" typeface="Mongolian Baiti"/>
+        <a:font script="Viet" typeface="Times New Roman"/>
+        <a:font script="Uigh" typeface="Microsoft Uighur"/>
+        <a:font script="Geor" typeface="Sylfaen"/>
+      </a:majorFont>
+      <a:minorFont>
+        <a:latin typeface="Arial"/>
+        <a:ea typeface=""/>
+        <a:cs typeface=""/>
+        <a:font script="Jpan" typeface="ＭＳ Ｐゴシック"/>
+        <a:font script="Hang" typeface="맑은 고딕"/>
+        <a:font script="Hans" typeface="宋体"/>
+        <a:font script="Hant" typeface="新細明體"/>
+        <a:font script="Arab" typeface="Arial"/>
+        <a:font script="Hebr" typeface="Arial"/>
+        <a:font script="Thai" typeface="Cordia New"/>
+        <a:font script="Ethi" typeface="Nyala"/>
+        <a:font script="Beng" typeface="Vrinda"/>
+        <a:font script="Gujr" typeface="Shruti"/>
+        <a:font script="Khmr" typeface="DaunPenh"/>
+        <a:font script="Knda" typeface="Tunga"/>
+        <a:font script="Guru" typeface="Raavi"/>
+        <a:font script="Cans" typeface="Euphemia"/>
+        <a:font script="Cher" typeface="Plantagenet Cherokee"/>
+        <a:font script="Yiii" typeface="Microsoft Yi Baiti"/>
+        <a:font script="Tibt" typeface="Microsoft Himalaya"/>
+        <a:font script="Thaa" typeface="MV Boli"/>
+        <a:font script="Deva" typeface="Mangal"/>
+        <a:font script="Telu" typeface="Gautami"/>
+        <a:font script="Taml" typeface="Latha"/>
+        <a:font script="Syrc" typeface="Estrangelo Edessa"/>
+        <a:font script="Orya" typeface="Kalinga"/>
+        <a:font script="Mlym" typeface="Kartika"/>
+        <a:font script="Laoo" typeface="DokChampa"/>
+        <a:font script="Sinh" typeface="Iskoola Pota"/>
+        <a:font script="Mong" typeface="Mongolian Baiti"/>
+        <a:font script="Viet" typeface="Arial"/>
+        <a:font script="Uigh" typeface="Microsoft Uighur"/>
+        <a:font script="Geor" typeface="Sylfaen"/>
+      </a:minorFont>
+    </a:fontScheme>
+    <a:fmtScheme name="Office">
+      <a:fillStyleLst>
+        <a:solidFill>
+          <a:schemeClr val="phClr"/>
+        </a:solidFill>
+        <a:gradFill rotWithShape="1">
+          <a:gsLst>
+            <a:gs pos="0">
+              <a:schemeClr val="phClr">
+                <a:tint val="50000"/>
+                <a:satMod val="300000"/>
+              </a:schemeClr>
+            </a:gs>
+            <a:gs pos="35000">
+              <a:schemeClr val="phClr">
+                <a:tint val="37000"/>
+                <a:satMod val="300000"/>
+              </a:schemeClr>
+            </a:gs>
+            <a:gs pos="100000">
+              <a:schemeClr val="phClr">
+                <a:tint val="15000"/>
+                <a:satMod val="350000"/>
+              </a:schemeClr>
+            </a:gs>
+          </a:gsLst>
+          <a:lin ang="16200000" scaled="1"/>
+        </a:gradFill>
+        <a:gradFill rotWithShape="1">
+          <a:gsLst>
+            <a:gs pos="0">
+              <a:schemeClr val="phClr">
+                <a:tint val="100000"/>
+                <a:shade val="100000"/>
+                <a:satMod val="130000"/>
+              </a:schemeClr>
+            </a:gs>
+            <a:gs pos="100000">
+              <a:schemeClr val="phClr">
+                <a:tint val="50000"/>
+                <a:shade val="100000"/>
+                <a:satMod val="350000"/>
+              </a:schemeClr>
+            </a:gs>
+          </a:gsLst>
+          <a:lin ang="16200000" scaled="0"/>
+        </a:gradFill>
+      </a:fillStyleLst>
+      <a:lnStyleLst>
+        <a:ln w="9525" cap="flat" cmpd="sng" algn="ctr">
+          <a:solidFill>
+            <a:schemeClr val="phClr">
+              <a:shade val="95000"/>
+              <a:satMod val="105000"/>
+            </a:schemeClr>
+          </a:solidFill>
+          <a:prstDash val="solid"/>
+        </a:ln>
+        <a:ln w="25400" cap="flat" cmpd="sng" algn="ctr">
+          <a:solidFill>
+            <a:schemeClr val="phClr"/>
+          </a:solidFill>
+          <a:prstDash val="solid"/>
+        </a:ln>
+        <a:ln w="38100" cap="flat" cmpd="sng" algn="ctr">
+          <a:solidFill>
+            <a:schemeClr val="phClr"/>
+          </a:solidFill>
+          <a:prstDash val="solid"/>
+        </a:ln>
+      </a:lnStyleLst>
+      <a:effectStyleLst>
+        <a:effectStyle>
+          <a:effectLst>
+            <a:outerShdw blurRad="40000" dist="20000" dir="5400000" rotWithShape="0">
+              <a:srgbClr val="000000">
+                <a:alpha val="38000"/>
+              </a:srgbClr>
+            </a:outerShdw>
+          </a:effectLst>
+        </a:effectStyle>
+        <a:effectStyle>
+          <a:effectLst>
+            <a:outerShdw blurRad="40000" dist="23000" dir="5400000" rotWithShape="0">
+              <a:srgbClr val="000000">
+                <a:alpha val="35000"/>
+              </a:srgbClr>
+            </a:outerShdw>
+          </a:effectLst>
+        </a:effectStyle>
+        <a:effectStyle>
+          <a:effectLst>
+            <a:outerShdw blurRad="40000" dist="23000" dir="5400000" rotWithShape="0">
+              <a:srgbClr val="000000">
+                <a:alpha val="35000"/>
+              </a:srgbClr>
+            </a:outerShdw>
+          </a:effectLst>
+          <a:scene3d>
+            <a:camera prst="orthographicFront">
+              <a:rot lat="0" lon="0" rev="0"/>
+            </a:camera>
+            <a:lightRig rig="threePt" dir="t">
+              <a:rot lat="0" lon="0" rev="1200000"/>
+            </a:lightRig>
+          </a:scene3d>
+          <a:sp3d>
+            <a:bevelT w="63500" h="25400"/>
+          </a:sp3d>
+        </a:effectStyle>
+      </a:effectStyleLst>
+      <a:bgFillStyleLst>
+        <a:solidFill>
+          <a:schemeClr val="phClr"/>
+        </a:solidFill>
+        <a:gradFill rotWithShape="1">
+          <a:gsLst>
+            <a:gs pos="0">
+              <a:schemeClr val="phClr">
+                <a:tint val="40000"/>
+                <a:satMod val="350000"/>
+              </a:schemeClr>
+            </a:gs>
+            <a:gs pos="40000">
+              <a:schemeClr val="phClr">
+                <a:tint val="45000"/>
+                <a:shade val="99000"/>
+                <a:satMod val="350000"/>
+              </a:schemeClr>
+            </a:gs>
+            <a:gs pos="100000">
+              <a:schemeClr val="phClr">
+                <a:shade val="20000"/>
+                <a:satMod val="255000"/>
+              </a:schemeClr>
+            </a:gs>
+          </a:gsLst>
+          <a:path path="circle">
+            <a:fillToRect l="50000" t="-80000" r="50000" b="180000"/>
+          </a:path>
+        </a:gradFill>
+        <a:gradFill rotWithShape="1">
+          <a:gsLst>
+            <a:gs pos="0">
+              <a:schemeClr val="phClr">
+                <a:tint val="80000"/>
+                <a:satMod val="300000"/>
+              </a:schemeClr>
+            </a:gs>
+            <a:gs pos="100000">
+              <a:schemeClr val="phClr">
+                <a:shade val="30000"/>
+                <a:satMod val="200000"/>
+              </a:schemeClr>
+            </a:gs>
+          </a:gsLst>
+          <a:path path="circle">
+            <a:fillToRect l="50000" t="50000" r="50000" b="50000"/>
+          </a:path>
+        </a:gradFill>
+      </a:bgFillStyleLst>
+    </a:fmtScheme>
+  </a:themeElements>
+</a:theme>
+</file>
+
+<file path=ppt/theme/theme2.xml><?xml version="1.0" encoding="utf-8"?>
 <a:theme xmlns:a="http://schemas.openxmlformats.org/drawingml/2006/main" xmlns:r="http://schemas.openxmlformats.org/officeDocument/2006/relationships" name="След самолета">
   <a:themeElements>
     <a:clrScheme name="След самолета">
@@ -28499,283 +28777,4 @@
     </a:fmtScheme>
   </a:themeElements>
 </a:theme>
-</file>
-
-<file path=ppt/theme/theme2.xml><?xml version="1.0" encoding="utf-8"?>
-<a:theme xmlns:a="http://schemas.openxmlformats.org/drawingml/2006/main" xmlns:r="http://schemas.openxmlformats.org/officeDocument/2006/relationships">
-  <a:themeElements>
-    <a:clrScheme name="Default">
-      <a:dk1>
-        <a:srgbClr val="000000"/>
-      </a:dk1>
-      <a:lt1>
-        <a:srgbClr val="FFFFFF"/>
-      </a:lt1>
-      <a:dk2>
-        <a:srgbClr val="158158"/>
-      </a:dk2>
-      <a:lt2>
-        <a:srgbClr val="F3F3F3"/>
-      </a:lt2>
-      <a:accent1>
-        <a:srgbClr val="058DC7"/>
-      </a:accent1>
-      <a:accent2>
-        <a:srgbClr val="50B432"/>
-      </a:accent2>
-      <a:accent3>
-        <a:srgbClr val="ED561B"/>
-      </a:accent3>
-      <a:accent4>
-        <a:srgbClr val="EDEF00"/>
-      </a:accent4>
-      <a:accent5>
-        <a:srgbClr val="24CBE5"/>
-      </a:accent5>
-      <a:accent6>
-        <a:srgbClr val="64E572"/>
-      </a:accent6>
-      <a:hlink>
-        <a:srgbClr val="2200CC"/>
-      </a:hlink>
-      <a:folHlink>
-        <a:srgbClr val="551A8B"/>
-      </a:folHlink>
-    </a:clrScheme>
-    <a:fontScheme name="Office">
-      <a:majorFont>
-        <a:latin typeface="Arial"/>
-        <a:ea typeface=""/>
-        <a:cs typeface=""/>
-        <a:font script="Jpan" typeface="ＭＳ Ｐゴシック"/>
-        <a:font script="Hang" typeface="맑은 고딕"/>
-        <a:font script="Hans" typeface="宋体"/>
-        <a:font script="Hant" typeface="新細明體"/>
-        <a:font script="Arab" typeface="Times New Roman"/>
-        <a:font script="Hebr" typeface="Times New Roman"/>
-        <a:font script="Thai" typeface="Angsana New"/>
-        <a:font script="Ethi" typeface="Nyala"/>
-        <a:font script="Beng" typeface="Vrinda"/>
-        <a:font script="Gujr" typeface="Shruti"/>
-        <a:font script="Khmr" typeface="MoolBoran"/>
-        <a:font script="Knda" typeface="Tunga"/>
-        <a:font script="Guru" typeface="Raavi"/>
-        <a:font script="Cans" typeface="Euphemia"/>
-        <a:font script="Cher" typeface="Plantagenet Cherokee"/>
-        <a:font script="Yiii" typeface="Microsoft Yi Baiti"/>
-        <a:font script="Tibt" typeface="Microsoft Himalaya"/>
-        <a:font script="Thaa" typeface="MV Boli"/>
-        <a:font script="Deva" typeface="Mangal"/>
-        <a:font script="Telu" typeface="Gautami"/>
-        <a:font script="Taml" typeface="Latha"/>
-        <a:font script="Syrc" typeface="Estrangelo Edessa"/>
-        <a:font script="Orya" typeface="Kalinga"/>
-        <a:font script="Mlym" typeface="Kartika"/>
-        <a:font script="Laoo" typeface="DokChampa"/>
-        <a:font script="Sinh" typeface="Iskoola Pota"/>
-        <a:font script="Mong" typeface="Mongolian Baiti"/>
-        <a:font script="Viet" typeface="Times New Roman"/>
-        <a:font script="Uigh" typeface="Microsoft Uighur"/>
-        <a:font script="Geor" typeface="Sylfaen"/>
-      </a:majorFont>
-      <a:minorFont>
-        <a:latin typeface="Arial"/>
-        <a:ea typeface=""/>
-        <a:cs typeface=""/>
-        <a:font script="Jpan" typeface="ＭＳ Ｐゴシック"/>
-        <a:font script="Hang" typeface="맑은 고딕"/>
-        <a:font script="Hans" typeface="宋体"/>
-        <a:font script="Hant" typeface="新細明體"/>
-        <a:font script="Arab" typeface="Arial"/>
-        <a:font script="Hebr" typeface="Arial"/>
-        <a:font script="Thai" typeface="Cordia New"/>
-        <a:font script="Ethi" typeface="Nyala"/>
-        <a:font script="Beng" typeface="Vrinda"/>
-        <a:font script="Gujr" typeface="Shruti"/>
-        <a:font script="Khmr" typeface="DaunPenh"/>
-        <a:font script="Knda" typeface="Tunga"/>
-        <a:font script="Guru" typeface="Raavi"/>
-        <a:font script="Cans" typeface="Euphemia"/>
-        <a:font script="Cher" typeface="Plantagenet Cherokee"/>
-        <a:font script="Yiii" typeface="Microsoft Yi Baiti"/>
-        <a:font script="Tibt" typeface="Microsoft Himalaya"/>
-        <a:font script="Thaa" typeface="MV Boli"/>
-        <a:font script="Deva" typeface="Mangal"/>
-        <a:font script="Telu" typeface="Gautami"/>
-        <a:font script="Taml" typeface="Latha"/>
-        <a:font script="Syrc" typeface="Estrangelo Edessa"/>
-        <a:font script="Orya" typeface="Kalinga"/>
-        <a:font script="Mlym" typeface="Kartika"/>
-        <a:font script="Laoo" typeface="DokChampa"/>
-        <a:font script="Sinh" typeface="Iskoola Pota"/>
-        <a:font script="Mong" typeface="Mongolian Baiti"/>
-        <a:font script="Viet" typeface="Arial"/>
-        <a:font script="Uigh" typeface="Microsoft Uighur"/>
-        <a:font script="Geor" typeface="Sylfaen"/>
-      </a:minorFont>
-    </a:fontScheme>
-    <a:fmtScheme name="Office">
-      <a:fillStyleLst>
-        <a:solidFill>
-          <a:schemeClr val="phClr"/>
-        </a:solidFill>
-        <a:gradFill rotWithShape="1">
-          <a:gsLst>
-            <a:gs pos="0">
-              <a:schemeClr val="phClr">
-                <a:tint val="50000"/>
-                <a:satMod val="300000"/>
-              </a:schemeClr>
-            </a:gs>
-            <a:gs pos="35000">
-              <a:schemeClr val="phClr">
-                <a:tint val="37000"/>
-                <a:satMod val="300000"/>
-              </a:schemeClr>
-            </a:gs>
-            <a:gs pos="100000">
-              <a:schemeClr val="phClr">
-                <a:tint val="15000"/>
-                <a:satMod val="350000"/>
-              </a:schemeClr>
-            </a:gs>
-          </a:gsLst>
-          <a:lin ang="16200000" scaled="1"/>
-        </a:gradFill>
-        <a:gradFill rotWithShape="1">
-          <a:gsLst>
-            <a:gs pos="0">
-              <a:schemeClr val="phClr">
-                <a:tint val="100000"/>
-                <a:shade val="100000"/>
-                <a:satMod val="130000"/>
-              </a:schemeClr>
-            </a:gs>
-            <a:gs pos="100000">
-              <a:schemeClr val="phClr">
-                <a:tint val="50000"/>
-                <a:shade val="100000"/>
-                <a:satMod val="350000"/>
-              </a:schemeClr>
-            </a:gs>
-          </a:gsLst>
-          <a:lin ang="16200000" scaled="0"/>
-        </a:gradFill>
-      </a:fillStyleLst>
-      <a:lnStyleLst>
-        <a:ln w="9525" cap="flat" cmpd="sng" algn="ctr">
-          <a:solidFill>
-            <a:schemeClr val="phClr">
-              <a:shade val="95000"/>
-              <a:satMod val="105000"/>
-            </a:schemeClr>
-          </a:solidFill>
-          <a:prstDash val="solid"/>
-        </a:ln>
-        <a:ln w="25400" cap="flat" cmpd="sng" algn="ctr">
-          <a:solidFill>
-            <a:schemeClr val="phClr"/>
-          </a:solidFill>
-          <a:prstDash val="solid"/>
-        </a:ln>
-        <a:ln w="38100" cap="flat" cmpd="sng" algn="ctr">
-          <a:solidFill>
-            <a:schemeClr val="phClr"/>
-          </a:solidFill>
-          <a:prstDash val="solid"/>
-        </a:ln>
-      </a:lnStyleLst>
-      <a:effectStyleLst>
-        <a:effectStyle>
-          <a:effectLst>
-            <a:outerShdw blurRad="40000" dist="20000" dir="5400000" rotWithShape="0">
-              <a:srgbClr val="000000">
-                <a:alpha val="38000"/>
-              </a:srgbClr>
-            </a:outerShdw>
-          </a:effectLst>
-        </a:effectStyle>
-        <a:effectStyle>
-          <a:effectLst>
-            <a:outerShdw blurRad="40000" dist="23000" dir="5400000" rotWithShape="0">
-              <a:srgbClr val="000000">
-                <a:alpha val="35000"/>
-              </a:srgbClr>
-            </a:outerShdw>
-          </a:effectLst>
-        </a:effectStyle>
-        <a:effectStyle>
-          <a:effectLst>
-            <a:outerShdw blurRad="40000" dist="23000" dir="5400000" rotWithShape="0">
-              <a:srgbClr val="000000">
-                <a:alpha val="35000"/>
-              </a:srgbClr>
-            </a:outerShdw>
-          </a:effectLst>
-          <a:scene3d>
-            <a:camera prst="orthographicFront">
-              <a:rot lat="0" lon="0" rev="0"/>
-            </a:camera>
-            <a:lightRig rig="threePt" dir="t">
-              <a:rot lat="0" lon="0" rev="1200000"/>
-            </a:lightRig>
-          </a:scene3d>
-          <a:sp3d>
-            <a:bevelT w="63500" h="25400"/>
-          </a:sp3d>
-        </a:effectStyle>
-      </a:effectStyleLst>
-      <a:bgFillStyleLst>
-        <a:solidFill>
-          <a:schemeClr val="phClr"/>
-        </a:solidFill>
-        <a:gradFill rotWithShape="1">
-          <a:gsLst>
-            <a:gs pos="0">
-              <a:schemeClr val="phClr">
-                <a:tint val="40000"/>
-                <a:satMod val="350000"/>
-              </a:schemeClr>
-            </a:gs>
-            <a:gs pos="40000">
-              <a:schemeClr val="phClr">
-                <a:tint val="45000"/>
-                <a:shade val="99000"/>
-                <a:satMod val="350000"/>
-              </a:schemeClr>
-            </a:gs>
-            <a:gs pos="100000">
-              <a:schemeClr val="phClr">
-                <a:shade val="20000"/>
-                <a:satMod val="255000"/>
-              </a:schemeClr>
-            </a:gs>
-          </a:gsLst>
-          <a:path path="circle">
-            <a:fillToRect l="50000" t="-80000" r="50000" b="180000"/>
-          </a:path>
-        </a:gradFill>
-        <a:gradFill rotWithShape="1">
-          <a:gsLst>
-            <a:gs pos="0">
-              <a:schemeClr val="phClr">
-                <a:tint val="80000"/>
-                <a:satMod val="300000"/>
-              </a:schemeClr>
-            </a:gs>
-            <a:gs pos="100000">
-              <a:schemeClr val="phClr">
-                <a:shade val="30000"/>
-                <a:satMod val="200000"/>
-              </a:schemeClr>
-            </a:gs>
-          </a:gsLst>
-          <a:path path="circle">
-            <a:fillToRect l="50000" t="50000" r="50000" b="50000"/>
-          </a:path>
-        </a:gradFill>
-      </a:bgFillStyleLst>
-    </a:fmtScheme>
-  </a:themeElements>
-</a:theme>
 </file>
--- a/4-6B/kasparov/ардуино.pptx
+++ b/4-6B/kasparov/ардуино.pptx
@@ -28222,6 +28222,285 @@
 </file>
 
 <file path=ppt/theme/theme1.xml><?xml version="1.0" encoding="utf-8"?>
+<a:theme xmlns:a="http://schemas.openxmlformats.org/drawingml/2006/main" xmlns:r="http://schemas.openxmlformats.org/officeDocument/2006/relationships" name="След самолета">
+  <a:themeElements>
+    <a:clrScheme name="След самолета">
+      <a:dk1>
+        <a:srgbClr val="000000"/>
+      </a:dk1>
+      <a:lt1>
+        <a:srgbClr val="FFFFFF"/>
+      </a:lt1>
+      <a:dk2>
+        <a:srgbClr val="454545"/>
+      </a:dk2>
+      <a:lt2>
+        <a:srgbClr val="DADADA"/>
+      </a:lt2>
+      <a:accent1>
+        <a:srgbClr val="DF2E28"/>
+      </a:accent1>
+      <a:accent2>
+        <a:srgbClr val="FE801A"/>
+      </a:accent2>
+      <a:accent3>
+        <a:srgbClr val="E9BF35"/>
+      </a:accent3>
+      <a:accent4>
+        <a:srgbClr val="81BB42"/>
+      </a:accent4>
+      <a:accent5>
+        <a:srgbClr val="32C7A9"/>
+      </a:accent5>
+      <a:accent6>
+        <a:srgbClr val="4A9BDC"/>
+      </a:accent6>
+      <a:hlink>
+        <a:srgbClr val="F0532B"/>
+      </a:hlink>
+      <a:folHlink>
+        <a:srgbClr val="F38B53"/>
+      </a:folHlink>
+    </a:clrScheme>
+    <a:fontScheme name="Office">
+      <a:majorFont>
+        <a:latin typeface="Arial"/>
+        <a:ea typeface=""/>
+        <a:cs typeface=""/>
+        <a:font script="Jpan" typeface="ＭＳ Ｐゴシック"/>
+        <a:font script="Hang" typeface="맑은 고딕"/>
+        <a:font script="Hans" typeface="宋体"/>
+        <a:font script="Hant" typeface="新細明體"/>
+        <a:font script="Arab" typeface="Times New Roman"/>
+        <a:font script="Hebr" typeface="Times New Roman"/>
+        <a:font script="Thai" typeface="Angsana New"/>
+        <a:font script="Ethi" typeface="Nyala"/>
+        <a:font script="Beng" typeface="Vrinda"/>
+        <a:font script="Gujr" typeface="Shruti"/>
+        <a:font script="Khmr" typeface="MoolBoran"/>
+        <a:font script="Knda" typeface="Tunga"/>
+        <a:font script="Guru" typeface="Raavi"/>
+        <a:font script="Cans" typeface="Euphemia"/>
+        <a:font script="Cher" typeface="Plantagenet Cherokee"/>
+        <a:font script="Yiii" typeface="Microsoft Yi Baiti"/>
+        <a:font script="Tibt" typeface="Microsoft Himalaya"/>
+        <a:font script="Thaa" typeface="MV Boli"/>
+        <a:font script="Deva" typeface="Mangal"/>
+        <a:font script="Telu" typeface="Gautami"/>
+        <a:font script="Taml" typeface="Latha"/>
+        <a:font script="Syrc" typeface="Estrangelo Edessa"/>
+        <a:font script="Orya" typeface="Kalinga"/>
+        <a:font script="Mlym" typeface="Kartika"/>
+        <a:font script="Laoo" typeface="DokChampa"/>
+        <a:font script="Sinh" typeface="Iskoola Pota"/>
+        <a:font script="Mong" typeface="Mongolian Baiti"/>
+        <a:font script="Viet" typeface="Times New Roman"/>
+        <a:font script="Uigh" typeface="Microsoft Uighur"/>
+        <a:font script="Geor" typeface="Sylfaen"/>
+      </a:majorFont>
+      <a:minorFont>
+        <a:latin typeface="Arial"/>
+        <a:ea typeface=""/>
+        <a:cs typeface=""/>
+        <a:font script="Jpan" typeface="ＭＳ Ｐゴシック"/>
+        <a:font script="Hang" typeface="맑은 고딕"/>
+        <a:font script="Hans" typeface="宋体"/>
+        <a:font script="Hant" typeface="新細明體"/>
+        <a:font script="Arab" typeface="Arial"/>
+        <a:font script="Hebr" typeface="Arial"/>
+        <a:font script="Thai" typeface="Cordia New"/>
+        <a:font script="Ethi" typeface="Nyala"/>
+        <a:font script="Beng" typeface="Vrinda"/>
+        <a:font script="Gujr" typeface="Shruti"/>
+        <a:font script="Khmr" typeface="DaunPenh"/>
+        <a:font script="Knda" typeface="Tunga"/>
+        <a:font script="Guru" typeface="Raavi"/>
+        <a:font script="Cans" typeface="Euphemia"/>
+        <a:font script="Cher" typeface="Plantagenet Cherokee"/>
+        <a:font script="Yiii" typeface="Microsoft Yi Baiti"/>
+        <a:font script="Tibt" typeface="Microsoft Himalaya"/>
+        <a:font script="Thaa" typeface="MV Boli"/>
+        <a:font script="Deva" typeface="Mangal"/>
+        <a:font script="Telu" typeface="Gautami"/>
+        <a:font script="Taml" typeface="Latha"/>
+        <a:font script="Syrc" typeface="Estrangelo Edessa"/>
+        <a:font script="Orya" typeface="Kalinga"/>
+        <a:font script="Mlym" typeface="Kartika"/>
+        <a:font script="Laoo" typeface="DokChampa"/>
+        <a:font script="Sinh" typeface="Iskoola Pota"/>
+        <a:font script="Mong" typeface="Mongolian Baiti"/>
+        <a:font script="Viet" typeface="Arial"/>
+        <a:font script="Uigh" typeface="Microsoft Uighur"/>
+        <a:font script="Geor" typeface="Sylfaen"/>
+      </a:minorFont>
+    </a:fontScheme>
+    <a:fmtScheme name="Office">
+      <a:fillStyleLst>
+        <a:solidFill>
+          <a:schemeClr val="phClr"/>
+        </a:solidFill>
+        <a:gradFill rotWithShape="1">
+          <a:gsLst>
+            <a:gs pos="0">
+              <a:schemeClr val="phClr">
+                <a:tint val="50000"/>
+                <a:satMod val="300000"/>
+              </a:schemeClr>
+            </a:gs>
+            <a:gs pos="35000">
+              <a:schemeClr val="phClr">
+                <a:tint val="37000"/>
+                <a:satMod val="300000"/>
+              </a:schemeClr>
+            </a:gs>
+            <a:gs pos="100000">
+              <a:schemeClr val="phClr">
+                <a:tint val="15000"/>
+                <a:satMod val="350000"/>
+              </a:schemeClr>
+            </a:gs>
+          </a:gsLst>
+          <a:lin ang="16200000" scaled="1"/>
+        </a:gradFill>
+        <a:gradFill rotWithShape="1">
+          <a:gsLst>
+            <a:gs pos="0">
+              <a:schemeClr val="phClr">
+                <a:tint val="100000"/>
+                <a:shade val="100000"/>
+                <a:satMod val="130000"/>
+              </a:schemeClr>
+            </a:gs>
+            <a:gs pos="100000">
+              <a:schemeClr val="phClr">
+                <a:tint val="50000"/>
+                <a:shade val="100000"/>
+                <a:satMod val="350000"/>
+              </a:schemeClr>
+            </a:gs>
+          </a:gsLst>
+          <a:lin ang="16200000" scaled="0"/>
+        </a:gradFill>
+      </a:fillStyleLst>
+      <a:lnStyleLst>
+        <a:ln w="9525" cap="flat" cmpd="sng" algn="ctr">
+          <a:solidFill>
+            <a:schemeClr val="phClr">
+              <a:shade val="95000"/>
+              <a:satMod val="105000"/>
+            </a:schemeClr>
+          </a:solidFill>
+          <a:prstDash val="solid"/>
+        </a:ln>
+        <a:ln w="25400" cap="flat" cmpd="sng" algn="ctr">
+          <a:solidFill>
+            <a:schemeClr val="phClr"/>
+          </a:solidFill>
+          <a:prstDash val="solid"/>
+        </a:ln>
+        <a:ln w="38100" cap="flat" cmpd="sng" algn="ctr">
+          <a:solidFill>
+            <a:schemeClr val="phClr"/>
+          </a:solidFill>
+          <a:prstDash val="solid"/>
+        </a:ln>
+      </a:lnStyleLst>
+      <a:effectStyleLst>
+        <a:effectStyle>
+          <a:effectLst>
+            <a:outerShdw blurRad="40000" dist="20000" dir="5400000" rotWithShape="0">
+              <a:srgbClr val="000000">
+                <a:alpha val="38000"/>
+              </a:srgbClr>
+            </a:outerShdw>
+          </a:effectLst>
+        </a:effectStyle>
+        <a:effectStyle>
+          <a:effectLst>
+            <a:outerShdw blurRad="40000" dist="23000" dir="5400000" rotWithShape="0">
+              <a:srgbClr val="000000">
+                <a:alpha val="35000"/>
+              </a:srgbClr>
+            </a:outerShdw>
+          </a:effectLst>
+        </a:effectStyle>
+        <a:effectStyle>
+          <a:effectLst>
+            <a:outerShdw blurRad="40000" dist="23000" dir="5400000" rotWithShape="0">
+              <a:srgbClr val="000000">
+                <a:alpha val="35000"/>
+              </a:srgbClr>
+            </a:outerShdw>
+          </a:effectLst>
+          <a:scene3d>
+            <a:camera prst="orthographicFront">
+              <a:rot lat="0" lon="0" rev="0"/>
+            </a:camera>
+            <a:lightRig rig="threePt" dir="t">
+              <a:rot lat="0" lon="0" rev="1200000"/>
+            </a:lightRig>
+          </a:scene3d>
+          <a:sp3d>
+            <a:bevelT w="63500" h="25400"/>
+          </a:sp3d>
+        </a:effectStyle>
+      </a:effectStyleLst>
+      <a:bgFillStyleLst>
+        <a:solidFill>
+          <a:schemeClr val="phClr"/>
+        </a:solidFill>
+        <a:gradFill rotWithShape="1">
+          <a:gsLst>
+            <a:gs pos="0">
+              <a:schemeClr val="phClr">
+                <a:tint val="40000"/>
+                <a:satMod val="350000"/>
+              </a:schemeClr>
+            </a:gs>
+            <a:gs pos="40000">
+              <a:schemeClr val="phClr">
+                <a:tint val="45000"/>
+                <a:shade val="99000"/>
+                <a:satMod val="350000"/>
+              </a:schemeClr>
+            </a:gs>
+            <a:gs pos="100000">
+              <a:schemeClr val="phClr">
+                <a:shade val="20000"/>
+                <a:satMod val="255000"/>
+              </a:schemeClr>
+            </a:gs>
+          </a:gsLst>
+          <a:path path="circle">
+            <a:fillToRect l="50000" t="-80000" r="50000" b="180000"/>
+          </a:path>
+        </a:gradFill>
+        <a:gradFill rotWithShape="1">
+          <a:gsLst>
+            <a:gs pos="0">
+              <a:schemeClr val="phClr">
+                <a:tint val="80000"/>
+                <a:satMod val="300000"/>
+              </a:schemeClr>
+            </a:gs>
+            <a:gs pos="100000">
+              <a:schemeClr val="phClr">
+                <a:shade val="30000"/>
+                <a:satMod val="200000"/>
+              </a:schemeClr>
+            </a:gs>
+          </a:gsLst>
+          <a:path path="circle">
+            <a:fillToRect l="50000" t="50000" r="50000" b="50000"/>
+          </a:path>
+        </a:gradFill>
+      </a:bgFillStyleLst>
+    </a:fmtScheme>
+  </a:themeElements>
+</a:theme>
+</file>
+
+<file path=ppt/theme/theme2.xml><?xml version="1.0" encoding="utf-8"?>
 <a:theme xmlns:a="http://schemas.openxmlformats.org/drawingml/2006/main" xmlns:r="http://schemas.openxmlformats.org/officeDocument/2006/relationships">
   <a:themeElements>
     <a:clrScheme name="Default">
@@ -28498,283 +28777,4 @@
     </a:fmtScheme>
   </a:themeElements>
 </a:theme>
-</file>
-
-<file path=ppt/theme/theme2.xml><?xml version="1.0" encoding="utf-8"?>
-<a:theme xmlns:a="http://schemas.openxmlformats.org/drawingml/2006/main" xmlns:r="http://schemas.openxmlformats.org/officeDocument/2006/relationships" name="След самолета">
-  <a:themeElements>
-    <a:clrScheme name="След самолета">
-      <a:dk1>
-        <a:srgbClr val="000000"/>
-      </a:dk1>
-      <a:lt1>
-        <a:srgbClr val="FFFFFF"/>
-      </a:lt1>
-      <a:dk2>
-        <a:srgbClr val="454545"/>
-      </a:dk2>
-      <a:lt2>
-        <a:srgbClr val="DADADA"/>
-      </a:lt2>
-      <a:accent1>
-        <a:srgbClr val="DF2E28"/>
-      </a:accent1>
-      <a:accent2>
-        <a:srgbClr val="FE801A"/>
-      </a:accent2>
-      <a:accent3>
-        <a:srgbClr val="E9BF35"/>
-      </a:accent3>
-      <a:accent4>
-        <a:srgbClr val="81BB42"/>
-      </a:accent4>
-      <a:accent5>
-        <a:srgbClr val="32C7A9"/>
-      </a:accent5>
-      <a:accent6>
-        <a:srgbClr val="4A9BDC"/>
-      </a:accent6>
-      <a:hlink>
-        <a:srgbClr val="F0532B"/>
-      </a:hlink>
-      <a:folHlink>
-        <a:srgbClr val="F38B53"/>
-      </a:folHlink>
-    </a:clrScheme>
-    <a:fontScheme name="Office">
-      <a:majorFont>
-        <a:latin typeface="Arial"/>
-        <a:ea typeface=""/>
-        <a:cs typeface=""/>
-        <a:font script="Jpan" typeface="ＭＳ Ｐゴシック"/>
-        <a:font script="Hang" typeface="맑은 고딕"/>
-        <a:font script="Hans" typeface="宋体"/>
-        <a:font script="Hant" typeface="新細明體"/>
-        <a:font script="Arab" typeface="Times New Roman"/>
-        <a:font script="Hebr" typeface="Times New Roman"/>
-        <a:font script="Thai" typeface="Angsana New"/>
-        <a:font script="Ethi" typeface="Nyala"/>
-        <a:font script="Beng" typeface="Vrinda"/>
-        <a:font script="Gujr" typeface="Shruti"/>
-        <a:font script="Khmr" typeface="MoolBoran"/>
-        <a:font script="Knda" typeface="Tunga"/>
-        <a:font script="Guru" typeface="Raavi"/>
-        <a:font script="Cans" typeface="Euphemia"/>
-        <a:font script="Cher" typeface="Plantagenet Cherokee"/>
-        <a:font script="Yiii" typeface="Microsoft Yi Baiti"/>
-        <a:font script="Tibt" typeface="Microsoft Himalaya"/>
-        <a:font script="Thaa" typeface="MV Boli"/>
-        <a:font script="Deva" typeface="Mangal"/>
-        <a:font script="Telu" typeface="Gautami"/>
-        <a:font script="Taml" typeface="Latha"/>
-        <a:font script="Syrc" typeface="Estrangelo Edessa"/>
-        <a:font script="Orya" typeface="Kalinga"/>
-        <a:font script="Mlym" typeface="Kartika"/>
-        <a:font script="Laoo" typeface="DokChampa"/>
-        <a:font script="Sinh" typeface="Iskoola Pota"/>
-        <a:font script="Mong" typeface="Mongolian Baiti"/>
-        <a:font script="Viet" typeface="Times New Roman"/>
-        <a:font script="Uigh" typeface="Microsoft Uighur"/>
-        <a:font script="Geor" typeface="Sylfaen"/>
-      </a:majorFont>
-      <a:minorFont>
-        <a:latin typeface="Arial"/>
-        <a:ea typeface=""/>
-        <a:cs typeface=""/>
-        <a:font script="Jpan" typeface="ＭＳ Ｐゴシック"/>
-        <a:font script="Hang" typeface="맑은 고딕"/>
-        <a:font script="Hans" typeface="宋体"/>
-        <a:font script="Hant" typeface="新細明體"/>
-        <a:font script="Arab" typeface="Arial"/>
-        <a:font script="Hebr" typeface="Arial"/>
-        <a:font script="Thai" typeface="Cordia New"/>
-        <a:font script="Ethi" typeface="Nyala"/>
-        <a:font script="Beng" typeface="Vrinda"/>
-        <a:font script="Gujr" typeface="Shruti"/>
-        <a:font script="Khmr" typeface="DaunPenh"/>
-        <a:font script="Knda" typeface="Tunga"/>
-        <a:font script="Guru" typeface="Raavi"/>
-        <a:font script="Cans" typeface="Euphemia"/>
-        <a:font script="Cher" typeface="Plantagenet Cherokee"/>
-        <a:font script="Yiii" typeface="Microsoft Yi Baiti"/>
-        <a:font script="Tibt" typeface="Microsoft Himalaya"/>
-        <a:font script="Thaa" typeface="MV Boli"/>
-        <a:font script="Deva" typeface="Mangal"/>
-        <a:font script="Telu" typeface="Gautami"/>
-        <a:font script="Taml" typeface="Latha"/>
-        <a:font script="Syrc" typeface="Estrangelo Edessa"/>
-        <a:font script="Orya" typeface="Kalinga"/>
-        <a:font script="Mlym" typeface="Kartika"/>
-        <a:font script="Laoo" typeface="DokChampa"/>
-        <a:font script="Sinh" typeface="Iskoola Pota"/>
-        <a:font script="Mong" typeface="Mongolian Baiti"/>
-        <a:font script="Viet" typeface="Arial"/>
-        <a:font script="Uigh" typeface="Microsoft Uighur"/>
-        <a:font script="Geor" typeface="Sylfaen"/>
-      </a:minorFont>
-    </a:fontScheme>
-    <a:fmtScheme name="Office">
-      <a:fillStyleLst>
-        <a:solidFill>
-          <a:schemeClr val="phClr"/>
-        </a:solidFill>
-        <a:gradFill rotWithShape="1">
-          <a:gsLst>
-            <a:gs pos="0">
-              <a:schemeClr val="phClr">
-                <a:tint val="50000"/>
-                <a:satMod val="300000"/>
-              </a:schemeClr>
-            </a:gs>
-            <a:gs pos="35000">
-              <a:schemeClr val="phClr">
-                <a:tint val="37000"/>
-                <a:satMod val="300000"/>
-              </a:schemeClr>
-            </a:gs>
-            <a:gs pos="100000">
-              <a:schemeClr val="phClr">
-                <a:tint val="15000"/>
-                <a:satMod val="350000"/>
-              </a:schemeClr>
-            </a:gs>
-          </a:gsLst>
-          <a:lin ang="16200000" scaled="1"/>
-        </a:gradFill>
-        <a:gradFill rotWithShape="1">
-          <a:gsLst>
-            <a:gs pos="0">
-              <a:schemeClr val="phClr">
-                <a:tint val="100000"/>
-                <a:shade val="100000"/>
-                <a:satMod val="130000"/>
-              </a:schemeClr>
-            </a:gs>
-            <a:gs pos="100000">
-              <a:schemeClr val="phClr">
-                <a:tint val="50000"/>
-                <a:shade val="100000"/>
-                <a:satMod val="350000"/>
-              </a:schemeClr>
-            </a:gs>
-          </a:gsLst>
-          <a:lin ang="16200000" scaled="0"/>
-        </a:gradFill>
-      </a:fillStyleLst>
-      <a:lnStyleLst>
-        <a:ln w="9525" cap="flat" cmpd="sng" algn="ctr">
-          <a:solidFill>
-            <a:schemeClr val="phClr">
-              <a:shade val="95000"/>
-              <a:satMod val="105000"/>
-            </a:schemeClr>
-          </a:solidFill>
-          <a:prstDash val="solid"/>
-        </a:ln>
-        <a:ln w="25400" cap="flat" cmpd="sng" algn="ctr">
-          <a:solidFill>
-            <a:schemeClr val="phClr"/>
-          </a:solidFill>
-          <a:prstDash val="solid"/>
-        </a:ln>
-        <a:ln w="38100" cap="flat" cmpd="sng" algn="ctr">
-          <a:solidFill>
-            <a:schemeClr val="phClr"/>
-          </a:solidFill>
-          <a:prstDash val="solid"/>
-        </a:ln>
-      </a:lnStyleLst>
-      <a:effectStyleLst>
-        <a:effectStyle>
-          <a:effectLst>
-            <a:outerShdw blurRad="40000" dist="20000" dir="5400000" rotWithShape="0">
-              <a:srgbClr val="000000">
-                <a:alpha val="38000"/>
-              </a:srgbClr>
-            </a:outerShdw>
-          </a:effectLst>
-        </a:effectStyle>
-        <a:effectStyle>
-          <a:effectLst>
-            <a:outerShdw blurRad="40000" dist="23000" dir="5400000" rotWithShape="0">
-              <a:srgbClr val="000000">
-                <a:alpha val="35000"/>
-              </a:srgbClr>
-            </a:outerShdw>
-          </a:effectLst>
-        </a:effectStyle>
-        <a:effectStyle>
-          <a:effectLst>
-            <a:outerShdw blurRad="40000" dist="23000" dir="5400000" rotWithShape="0">
-              <a:srgbClr val="000000">
-                <a:alpha val="35000"/>
-              </a:srgbClr>
-            </a:outerShdw>
-          </a:effectLst>
-          <a:scene3d>
-            <a:camera prst="orthographicFront">
-              <a:rot lat="0" lon="0" rev="0"/>
-            </a:camera>
-            <a:lightRig rig="threePt" dir="t">
-              <a:rot lat="0" lon="0" rev="1200000"/>
-            </a:lightRig>
-          </a:scene3d>
-          <a:sp3d>
-            <a:bevelT w="63500" h="25400"/>
-          </a:sp3d>
-        </a:effectStyle>
-      </a:effectStyleLst>
-      <a:bgFillStyleLst>
-        <a:solidFill>
-          <a:schemeClr val="phClr"/>
-        </a:solidFill>
-        <a:gradFill rotWithShape="1">
-          <a:gsLst>
-            <a:gs pos="0">
-              <a:schemeClr val="phClr">
-                <a:tint val="40000"/>
-                <a:satMod val="350000"/>
-              </a:schemeClr>
-            </a:gs>
-            <a:gs pos="40000">
-              <a:schemeClr val="phClr">
-                <a:tint val="45000"/>
-                <a:shade val="99000"/>
-                <a:satMod val="350000"/>
-              </a:schemeClr>
-            </a:gs>
-            <a:gs pos="100000">
-              <a:schemeClr val="phClr">
-                <a:shade val="20000"/>
-                <a:satMod val="255000"/>
-              </a:schemeClr>
-            </a:gs>
-          </a:gsLst>
-          <a:path path="circle">
-            <a:fillToRect l="50000" t="-80000" r="50000" b="180000"/>
-          </a:path>
-        </a:gradFill>
-        <a:gradFill rotWithShape="1">
-          <a:gsLst>
-            <a:gs pos="0">
-              <a:schemeClr val="phClr">
-                <a:tint val="80000"/>
-                <a:satMod val="300000"/>
-              </a:schemeClr>
-            </a:gs>
-            <a:gs pos="100000">
-              <a:schemeClr val="phClr">
-                <a:shade val="30000"/>
-                <a:satMod val="200000"/>
-              </a:schemeClr>
-            </a:gs>
-          </a:gsLst>
-          <a:path path="circle">
-            <a:fillToRect l="50000" t="50000" r="50000" b="50000"/>
-          </a:path>
-        </a:gradFill>
-      </a:bgFillStyleLst>
-    </a:fmtScheme>
-  </a:themeElements>
-</a:theme>
 </file>